--- a/stage2/automatisation.pptx
+++ b/stage2/automatisation.pptx
@@ -6,6 +6,11 @@
   </p:sldMasterIdLst>
   <p:sldIdLst>
     <p:sldId id="256" r:id="rId2"/>
+    <p:sldId id="257" r:id="rId3"/>
+    <p:sldId id="258" r:id="rId4"/>
+    <p:sldId id="259" r:id="rId5"/>
+    <p:sldId id="260" r:id="rId6"/>
+    <p:sldId id="261" r:id="rId7"/>
   </p:sldIdLst>
   <p:sldSz cx="12192000" cy="6858000"/>
   <p:notesSz cx="6858000" cy="9144000"/>
@@ -129,7 +134,7 @@
           <p:cNvPr id="2" name="Titre 1">
             <a:extLst>
               <a:ext uri="{FF2B5EF4-FFF2-40B4-BE49-F238E27FC236}">
-                <a16:creationId xmlns:a16="http://schemas.microsoft.com/office/drawing/2014/main" id="{4BAF734A-825A-C145-6D0D-097C0CA638FA}"/>
+                <a16:creationId xmlns:a16="http://schemas.microsoft.com/office/drawing/2014/main" xmlns="" id="{4BAF734A-825A-C145-6D0D-097C0CA638FA}"/>
               </a:ext>
             </a:extLst>
           </p:cNvPr>
@@ -166,7 +171,7 @@
           <p:cNvPr id="3" name="Sous-titre 2">
             <a:extLst>
               <a:ext uri="{FF2B5EF4-FFF2-40B4-BE49-F238E27FC236}">
-                <a16:creationId xmlns:a16="http://schemas.microsoft.com/office/drawing/2014/main" id="{8FF2F627-1349-B69A-0271-CD1350D17B20}"/>
+                <a16:creationId xmlns:a16="http://schemas.microsoft.com/office/drawing/2014/main" xmlns="" id="{8FF2F627-1349-B69A-0271-CD1350D17B20}"/>
               </a:ext>
             </a:extLst>
           </p:cNvPr>
@@ -236,7 +241,7 @@
           <p:cNvPr id="4" name="Espace réservé de la date 3">
             <a:extLst>
               <a:ext uri="{FF2B5EF4-FFF2-40B4-BE49-F238E27FC236}">
-                <a16:creationId xmlns:a16="http://schemas.microsoft.com/office/drawing/2014/main" id="{71414230-DCC7-A04E-B6BE-997A27E8D4CB}"/>
+                <a16:creationId xmlns:a16="http://schemas.microsoft.com/office/drawing/2014/main" xmlns="" id="{71414230-DCC7-A04E-B6BE-997A27E8D4CB}"/>
               </a:ext>
             </a:extLst>
           </p:cNvPr>
@@ -254,7 +259,8 @@
           <a:p>
             <a:fld id="{2518929F-726D-42E9-A44C-360CAD7A2D2B}" type="datetimeFigureOut">
               <a:rPr lang="fr-FR" smtClean="0"/>
-              <a:t>01/04/2024</a:t>
+              <a:pPr/>
+              <a:t>02/04/2024</a:t>
             </a:fld>
             <a:endParaRPr lang="fr-FR"/>
           </a:p>
@@ -265,7 +271,7 @@
           <p:cNvPr id="5" name="Espace réservé du pied de page 4">
             <a:extLst>
               <a:ext uri="{FF2B5EF4-FFF2-40B4-BE49-F238E27FC236}">
-                <a16:creationId xmlns:a16="http://schemas.microsoft.com/office/drawing/2014/main" id="{E908418F-C1DD-5B7C-28B4-89CD88F2CB63}"/>
+                <a16:creationId xmlns:a16="http://schemas.microsoft.com/office/drawing/2014/main" xmlns="" id="{E908418F-C1DD-5B7C-28B4-89CD88F2CB63}"/>
               </a:ext>
             </a:extLst>
           </p:cNvPr>
@@ -290,7 +296,7 @@
           <p:cNvPr id="6" name="Espace réservé du numéro de diapositive 5">
             <a:extLst>
               <a:ext uri="{FF2B5EF4-FFF2-40B4-BE49-F238E27FC236}">
-                <a16:creationId xmlns:a16="http://schemas.microsoft.com/office/drawing/2014/main" id="{7CBBE139-8A5A-6C2F-B314-50046406FAFF}"/>
+                <a16:creationId xmlns:a16="http://schemas.microsoft.com/office/drawing/2014/main" xmlns="" id="{7CBBE139-8A5A-6C2F-B314-50046406FAFF}"/>
               </a:ext>
             </a:extLst>
           </p:cNvPr>
@@ -308,6 +314,7 @@
           <a:p>
             <a:fld id="{F7A2719A-0DF8-4312-9DEF-B72BA33BF0C0}" type="slidenum">
               <a:rPr lang="fr-FR" smtClean="0"/>
+              <a:pPr/>
               <a:t>‹N°›</a:t>
             </a:fld>
             <a:endParaRPr lang="fr-FR"/>
@@ -317,7 +324,7 @@
     </p:spTree>
     <p:extLst>
       <p:ext uri="{BB962C8B-B14F-4D97-AF65-F5344CB8AC3E}">
-        <p14:creationId xmlns:p14="http://schemas.microsoft.com/office/powerpoint/2010/main" val="2729735915"/>
+        <p14:creationId xmlns:p14="http://schemas.microsoft.com/office/powerpoint/2010/main" xmlns="" val="2729735915"/>
       </p:ext>
     </p:extLst>
   </p:cSld>
@@ -349,7 +356,7 @@
           <p:cNvPr id="2" name="Titre 1">
             <a:extLst>
               <a:ext uri="{FF2B5EF4-FFF2-40B4-BE49-F238E27FC236}">
-                <a16:creationId xmlns:a16="http://schemas.microsoft.com/office/drawing/2014/main" id="{05980F6B-EC22-461E-CD76-537E4DBDFB18}"/>
+                <a16:creationId xmlns:a16="http://schemas.microsoft.com/office/drawing/2014/main" xmlns="" id="{05980F6B-EC22-461E-CD76-537E4DBDFB18}"/>
               </a:ext>
             </a:extLst>
           </p:cNvPr>
@@ -377,7 +384,7 @@
           <p:cNvPr id="3" name="Espace réservé du texte vertical 2">
             <a:extLst>
               <a:ext uri="{FF2B5EF4-FFF2-40B4-BE49-F238E27FC236}">
-                <a16:creationId xmlns:a16="http://schemas.microsoft.com/office/drawing/2014/main" id="{B99DA5B1-B295-CD9E-A84F-0B712AF463E0}"/>
+                <a16:creationId xmlns:a16="http://schemas.microsoft.com/office/drawing/2014/main" xmlns="" id="{B99DA5B1-B295-CD9E-A84F-0B712AF463E0}"/>
               </a:ext>
             </a:extLst>
           </p:cNvPr>
@@ -434,7 +441,7 @@
           <p:cNvPr id="4" name="Espace réservé de la date 3">
             <a:extLst>
               <a:ext uri="{FF2B5EF4-FFF2-40B4-BE49-F238E27FC236}">
-                <a16:creationId xmlns:a16="http://schemas.microsoft.com/office/drawing/2014/main" id="{7B35D7AB-978C-7806-DD21-383DBCDA0D96}"/>
+                <a16:creationId xmlns:a16="http://schemas.microsoft.com/office/drawing/2014/main" xmlns="" id="{7B35D7AB-978C-7806-DD21-383DBCDA0D96}"/>
               </a:ext>
             </a:extLst>
           </p:cNvPr>
@@ -452,7 +459,8 @@
           <a:p>
             <a:fld id="{2518929F-726D-42E9-A44C-360CAD7A2D2B}" type="datetimeFigureOut">
               <a:rPr lang="fr-FR" smtClean="0"/>
-              <a:t>01/04/2024</a:t>
+              <a:pPr/>
+              <a:t>02/04/2024</a:t>
             </a:fld>
             <a:endParaRPr lang="fr-FR"/>
           </a:p>
@@ -463,7 +471,7 @@
           <p:cNvPr id="5" name="Espace réservé du pied de page 4">
             <a:extLst>
               <a:ext uri="{FF2B5EF4-FFF2-40B4-BE49-F238E27FC236}">
-                <a16:creationId xmlns:a16="http://schemas.microsoft.com/office/drawing/2014/main" id="{9190453E-1263-63C5-A14A-AAAF8CE4F6E7}"/>
+                <a16:creationId xmlns:a16="http://schemas.microsoft.com/office/drawing/2014/main" xmlns="" id="{9190453E-1263-63C5-A14A-AAAF8CE4F6E7}"/>
               </a:ext>
             </a:extLst>
           </p:cNvPr>
@@ -488,7 +496,7 @@
           <p:cNvPr id="6" name="Espace réservé du numéro de diapositive 5">
             <a:extLst>
               <a:ext uri="{FF2B5EF4-FFF2-40B4-BE49-F238E27FC236}">
-                <a16:creationId xmlns:a16="http://schemas.microsoft.com/office/drawing/2014/main" id="{1C73FCC0-8D52-F5A6-AFC7-AFE7DB9059F3}"/>
+                <a16:creationId xmlns:a16="http://schemas.microsoft.com/office/drawing/2014/main" xmlns="" id="{1C73FCC0-8D52-F5A6-AFC7-AFE7DB9059F3}"/>
               </a:ext>
             </a:extLst>
           </p:cNvPr>
@@ -506,6 +514,7 @@
           <a:p>
             <a:fld id="{F7A2719A-0DF8-4312-9DEF-B72BA33BF0C0}" type="slidenum">
               <a:rPr lang="fr-FR" smtClean="0"/>
+              <a:pPr/>
               <a:t>‹N°›</a:t>
             </a:fld>
             <a:endParaRPr lang="fr-FR"/>
@@ -515,7 +524,7 @@
     </p:spTree>
     <p:extLst>
       <p:ext uri="{BB962C8B-B14F-4D97-AF65-F5344CB8AC3E}">
-        <p14:creationId xmlns:p14="http://schemas.microsoft.com/office/powerpoint/2010/main" val="1092095518"/>
+        <p14:creationId xmlns:p14="http://schemas.microsoft.com/office/powerpoint/2010/main" xmlns="" val="1092095518"/>
       </p:ext>
     </p:extLst>
   </p:cSld>
@@ -547,7 +556,7 @@
           <p:cNvPr id="2" name="Titre vertical 1">
             <a:extLst>
               <a:ext uri="{FF2B5EF4-FFF2-40B4-BE49-F238E27FC236}">
-                <a16:creationId xmlns:a16="http://schemas.microsoft.com/office/drawing/2014/main" id="{7734C408-FFD9-A521-0B8E-427A15CD8F5C}"/>
+                <a16:creationId xmlns:a16="http://schemas.microsoft.com/office/drawing/2014/main" xmlns="" id="{7734C408-FFD9-A521-0B8E-427A15CD8F5C}"/>
               </a:ext>
             </a:extLst>
           </p:cNvPr>
@@ -580,7 +589,7 @@
           <p:cNvPr id="3" name="Espace réservé du texte vertical 2">
             <a:extLst>
               <a:ext uri="{FF2B5EF4-FFF2-40B4-BE49-F238E27FC236}">
-                <a16:creationId xmlns:a16="http://schemas.microsoft.com/office/drawing/2014/main" id="{DECA41AF-2F78-13FA-2EB7-49EF86AC45F4}"/>
+                <a16:creationId xmlns:a16="http://schemas.microsoft.com/office/drawing/2014/main" xmlns="" id="{DECA41AF-2F78-13FA-2EB7-49EF86AC45F4}"/>
               </a:ext>
             </a:extLst>
           </p:cNvPr>
@@ -642,7 +651,7 @@
           <p:cNvPr id="4" name="Espace réservé de la date 3">
             <a:extLst>
               <a:ext uri="{FF2B5EF4-FFF2-40B4-BE49-F238E27FC236}">
-                <a16:creationId xmlns:a16="http://schemas.microsoft.com/office/drawing/2014/main" id="{7C96D6B1-7BAC-C24F-385E-A491558AE580}"/>
+                <a16:creationId xmlns:a16="http://schemas.microsoft.com/office/drawing/2014/main" xmlns="" id="{7C96D6B1-7BAC-C24F-385E-A491558AE580}"/>
               </a:ext>
             </a:extLst>
           </p:cNvPr>
@@ -660,7 +669,8 @@
           <a:p>
             <a:fld id="{2518929F-726D-42E9-A44C-360CAD7A2D2B}" type="datetimeFigureOut">
               <a:rPr lang="fr-FR" smtClean="0"/>
-              <a:t>01/04/2024</a:t>
+              <a:pPr/>
+              <a:t>02/04/2024</a:t>
             </a:fld>
             <a:endParaRPr lang="fr-FR"/>
           </a:p>
@@ -671,7 +681,7 @@
           <p:cNvPr id="5" name="Espace réservé du pied de page 4">
             <a:extLst>
               <a:ext uri="{FF2B5EF4-FFF2-40B4-BE49-F238E27FC236}">
-                <a16:creationId xmlns:a16="http://schemas.microsoft.com/office/drawing/2014/main" id="{AD49B7C7-E0E1-571A-168E-6B279F6B2A2E}"/>
+                <a16:creationId xmlns:a16="http://schemas.microsoft.com/office/drawing/2014/main" xmlns="" id="{AD49B7C7-E0E1-571A-168E-6B279F6B2A2E}"/>
               </a:ext>
             </a:extLst>
           </p:cNvPr>
@@ -696,7 +706,7 @@
           <p:cNvPr id="6" name="Espace réservé du numéro de diapositive 5">
             <a:extLst>
               <a:ext uri="{FF2B5EF4-FFF2-40B4-BE49-F238E27FC236}">
-                <a16:creationId xmlns:a16="http://schemas.microsoft.com/office/drawing/2014/main" id="{404219F6-70E4-3511-C892-931E46BB52D4}"/>
+                <a16:creationId xmlns:a16="http://schemas.microsoft.com/office/drawing/2014/main" xmlns="" id="{404219F6-70E4-3511-C892-931E46BB52D4}"/>
               </a:ext>
             </a:extLst>
           </p:cNvPr>
@@ -714,6 +724,7 @@
           <a:p>
             <a:fld id="{F7A2719A-0DF8-4312-9DEF-B72BA33BF0C0}" type="slidenum">
               <a:rPr lang="fr-FR" smtClean="0"/>
+              <a:pPr/>
               <a:t>‹N°›</a:t>
             </a:fld>
             <a:endParaRPr lang="fr-FR"/>
@@ -723,7 +734,7 @@
     </p:spTree>
     <p:extLst>
       <p:ext uri="{BB962C8B-B14F-4D97-AF65-F5344CB8AC3E}">
-        <p14:creationId xmlns:p14="http://schemas.microsoft.com/office/powerpoint/2010/main" val="928703632"/>
+        <p14:creationId xmlns:p14="http://schemas.microsoft.com/office/powerpoint/2010/main" xmlns="" val="928703632"/>
       </p:ext>
     </p:extLst>
   </p:cSld>
@@ -755,7 +766,7 @@
           <p:cNvPr id="2" name="Titre 1">
             <a:extLst>
               <a:ext uri="{FF2B5EF4-FFF2-40B4-BE49-F238E27FC236}">
-                <a16:creationId xmlns:a16="http://schemas.microsoft.com/office/drawing/2014/main" id="{2B5B522F-860F-EB90-A635-631CBC9846FF}"/>
+                <a16:creationId xmlns:a16="http://schemas.microsoft.com/office/drawing/2014/main" xmlns="" id="{2B5B522F-860F-EB90-A635-631CBC9846FF}"/>
               </a:ext>
             </a:extLst>
           </p:cNvPr>
@@ -783,7 +794,7 @@
           <p:cNvPr id="3" name="Espace réservé du contenu 2">
             <a:extLst>
               <a:ext uri="{FF2B5EF4-FFF2-40B4-BE49-F238E27FC236}">
-                <a16:creationId xmlns:a16="http://schemas.microsoft.com/office/drawing/2014/main" id="{43D70F4C-97EE-C5BE-8DEC-3EFF1929E734}"/>
+                <a16:creationId xmlns:a16="http://schemas.microsoft.com/office/drawing/2014/main" xmlns="" id="{43D70F4C-97EE-C5BE-8DEC-3EFF1929E734}"/>
               </a:ext>
             </a:extLst>
           </p:cNvPr>
@@ -840,7 +851,7 @@
           <p:cNvPr id="4" name="Espace réservé de la date 3">
             <a:extLst>
               <a:ext uri="{FF2B5EF4-FFF2-40B4-BE49-F238E27FC236}">
-                <a16:creationId xmlns:a16="http://schemas.microsoft.com/office/drawing/2014/main" id="{E4F10E15-012B-F3BB-9170-76732CF7272A}"/>
+                <a16:creationId xmlns:a16="http://schemas.microsoft.com/office/drawing/2014/main" xmlns="" id="{E4F10E15-012B-F3BB-9170-76732CF7272A}"/>
               </a:ext>
             </a:extLst>
           </p:cNvPr>
@@ -858,7 +869,8 @@
           <a:p>
             <a:fld id="{2518929F-726D-42E9-A44C-360CAD7A2D2B}" type="datetimeFigureOut">
               <a:rPr lang="fr-FR" smtClean="0"/>
-              <a:t>01/04/2024</a:t>
+              <a:pPr/>
+              <a:t>02/04/2024</a:t>
             </a:fld>
             <a:endParaRPr lang="fr-FR"/>
           </a:p>
@@ -869,7 +881,7 @@
           <p:cNvPr id="5" name="Espace réservé du pied de page 4">
             <a:extLst>
               <a:ext uri="{FF2B5EF4-FFF2-40B4-BE49-F238E27FC236}">
-                <a16:creationId xmlns:a16="http://schemas.microsoft.com/office/drawing/2014/main" id="{4C8053FD-5E78-363A-F833-8238EAAB4ED4}"/>
+                <a16:creationId xmlns:a16="http://schemas.microsoft.com/office/drawing/2014/main" xmlns="" id="{4C8053FD-5E78-363A-F833-8238EAAB4ED4}"/>
               </a:ext>
             </a:extLst>
           </p:cNvPr>
@@ -894,7 +906,7 @@
           <p:cNvPr id="6" name="Espace réservé du numéro de diapositive 5">
             <a:extLst>
               <a:ext uri="{FF2B5EF4-FFF2-40B4-BE49-F238E27FC236}">
-                <a16:creationId xmlns:a16="http://schemas.microsoft.com/office/drawing/2014/main" id="{608AF44A-1EAB-0502-44EB-A1B8FA9CF645}"/>
+                <a16:creationId xmlns:a16="http://schemas.microsoft.com/office/drawing/2014/main" xmlns="" id="{608AF44A-1EAB-0502-44EB-A1B8FA9CF645}"/>
               </a:ext>
             </a:extLst>
           </p:cNvPr>
@@ -912,6 +924,7 @@
           <a:p>
             <a:fld id="{F7A2719A-0DF8-4312-9DEF-B72BA33BF0C0}" type="slidenum">
               <a:rPr lang="fr-FR" smtClean="0"/>
+              <a:pPr/>
               <a:t>‹N°›</a:t>
             </a:fld>
             <a:endParaRPr lang="fr-FR"/>
@@ -921,7 +934,7 @@
     </p:spTree>
     <p:extLst>
       <p:ext uri="{BB962C8B-B14F-4D97-AF65-F5344CB8AC3E}">
-        <p14:creationId xmlns:p14="http://schemas.microsoft.com/office/powerpoint/2010/main" val="599550729"/>
+        <p14:creationId xmlns:p14="http://schemas.microsoft.com/office/powerpoint/2010/main" xmlns="" val="599550729"/>
       </p:ext>
     </p:extLst>
   </p:cSld>
@@ -953,7 +966,7 @@
           <p:cNvPr id="2" name="Titre 1">
             <a:extLst>
               <a:ext uri="{FF2B5EF4-FFF2-40B4-BE49-F238E27FC236}">
-                <a16:creationId xmlns:a16="http://schemas.microsoft.com/office/drawing/2014/main" id="{043DD5FF-BB7B-F1FC-E103-605F28E61159}"/>
+                <a16:creationId xmlns:a16="http://schemas.microsoft.com/office/drawing/2014/main" xmlns="" id="{043DD5FF-BB7B-F1FC-E103-605F28E61159}"/>
               </a:ext>
             </a:extLst>
           </p:cNvPr>
@@ -990,7 +1003,7 @@
           <p:cNvPr id="3" name="Espace réservé du texte 2">
             <a:extLst>
               <a:ext uri="{FF2B5EF4-FFF2-40B4-BE49-F238E27FC236}">
-                <a16:creationId xmlns:a16="http://schemas.microsoft.com/office/drawing/2014/main" id="{1BDA1397-84AD-9137-048A-0E73F85C268D}"/>
+                <a16:creationId xmlns:a16="http://schemas.microsoft.com/office/drawing/2014/main" xmlns="" id="{1BDA1397-84AD-9137-048A-0E73F85C268D}"/>
               </a:ext>
             </a:extLst>
           </p:cNvPr>
@@ -1115,7 +1128,7 @@
           <p:cNvPr id="4" name="Espace réservé de la date 3">
             <a:extLst>
               <a:ext uri="{FF2B5EF4-FFF2-40B4-BE49-F238E27FC236}">
-                <a16:creationId xmlns:a16="http://schemas.microsoft.com/office/drawing/2014/main" id="{65B79C96-32D6-1049-CED4-4943D35C7D3E}"/>
+                <a16:creationId xmlns:a16="http://schemas.microsoft.com/office/drawing/2014/main" xmlns="" id="{65B79C96-32D6-1049-CED4-4943D35C7D3E}"/>
               </a:ext>
             </a:extLst>
           </p:cNvPr>
@@ -1133,7 +1146,8 @@
           <a:p>
             <a:fld id="{2518929F-726D-42E9-A44C-360CAD7A2D2B}" type="datetimeFigureOut">
               <a:rPr lang="fr-FR" smtClean="0"/>
-              <a:t>01/04/2024</a:t>
+              <a:pPr/>
+              <a:t>02/04/2024</a:t>
             </a:fld>
             <a:endParaRPr lang="fr-FR"/>
           </a:p>
@@ -1144,7 +1158,7 @@
           <p:cNvPr id="5" name="Espace réservé du pied de page 4">
             <a:extLst>
               <a:ext uri="{FF2B5EF4-FFF2-40B4-BE49-F238E27FC236}">
-                <a16:creationId xmlns:a16="http://schemas.microsoft.com/office/drawing/2014/main" id="{426D1EBA-6808-55C6-7B4E-D7B2B454D9D6}"/>
+                <a16:creationId xmlns:a16="http://schemas.microsoft.com/office/drawing/2014/main" xmlns="" id="{426D1EBA-6808-55C6-7B4E-D7B2B454D9D6}"/>
               </a:ext>
             </a:extLst>
           </p:cNvPr>
@@ -1169,7 +1183,7 @@
           <p:cNvPr id="6" name="Espace réservé du numéro de diapositive 5">
             <a:extLst>
               <a:ext uri="{FF2B5EF4-FFF2-40B4-BE49-F238E27FC236}">
-                <a16:creationId xmlns:a16="http://schemas.microsoft.com/office/drawing/2014/main" id="{9EFE0888-465F-D63C-7F8E-1D80F22B273C}"/>
+                <a16:creationId xmlns:a16="http://schemas.microsoft.com/office/drawing/2014/main" xmlns="" id="{9EFE0888-465F-D63C-7F8E-1D80F22B273C}"/>
               </a:ext>
             </a:extLst>
           </p:cNvPr>
@@ -1187,6 +1201,7 @@
           <a:p>
             <a:fld id="{F7A2719A-0DF8-4312-9DEF-B72BA33BF0C0}" type="slidenum">
               <a:rPr lang="fr-FR" smtClean="0"/>
+              <a:pPr/>
               <a:t>‹N°›</a:t>
             </a:fld>
             <a:endParaRPr lang="fr-FR"/>
@@ -1196,7 +1211,7 @@
     </p:spTree>
     <p:extLst>
       <p:ext uri="{BB962C8B-B14F-4D97-AF65-F5344CB8AC3E}">
-        <p14:creationId xmlns:p14="http://schemas.microsoft.com/office/powerpoint/2010/main" val="3645918339"/>
+        <p14:creationId xmlns:p14="http://schemas.microsoft.com/office/powerpoint/2010/main" xmlns="" val="3645918339"/>
       </p:ext>
     </p:extLst>
   </p:cSld>
@@ -1228,7 +1243,7 @@
           <p:cNvPr id="2" name="Titre 1">
             <a:extLst>
               <a:ext uri="{FF2B5EF4-FFF2-40B4-BE49-F238E27FC236}">
-                <a16:creationId xmlns:a16="http://schemas.microsoft.com/office/drawing/2014/main" id="{0A221330-261C-7B77-7AB7-F66D18F5131F}"/>
+                <a16:creationId xmlns:a16="http://schemas.microsoft.com/office/drawing/2014/main" xmlns="" id="{0A221330-261C-7B77-7AB7-F66D18F5131F}"/>
               </a:ext>
             </a:extLst>
           </p:cNvPr>
@@ -1256,7 +1271,7 @@
           <p:cNvPr id="3" name="Espace réservé du contenu 2">
             <a:extLst>
               <a:ext uri="{FF2B5EF4-FFF2-40B4-BE49-F238E27FC236}">
-                <a16:creationId xmlns:a16="http://schemas.microsoft.com/office/drawing/2014/main" id="{99F0A855-3429-8C8B-16FA-699F9D6ABEAB}"/>
+                <a16:creationId xmlns:a16="http://schemas.microsoft.com/office/drawing/2014/main" xmlns="" id="{99F0A855-3429-8C8B-16FA-699F9D6ABEAB}"/>
               </a:ext>
             </a:extLst>
           </p:cNvPr>
@@ -1318,7 +1333,7 @@
           <p:cNvPr id="4" name="Espace réservé du contenu 3">
             <a:extLst>
               <a:ext uri="{FF2B5EF4-FFF2-40B4-BE49-F238E27FC236}">
-                <a16:creationId xmlns:a16="http://schemas.microsoft.com/office/drawing/2014/main" id="{AD599EE7-3282-7775-9108-D5CFF7047BB1}"/>
+                <a16:creationId xmlns:a16="http://schemas.microsoft.com/office/drawing/2014/main" xmlns="" id="{AD599EE7-3282-7775-9108-D5CFF7047BB1}"/>
               </a:ext>
             </a:extLst>
           </p:cNvPr>
@@ -1380,7 +1395,7 @@
           <p:cNvPr id="5" name="Espace réservé de la date 4">
             <a:extLst>
               <a:ext uri="{FF2B5EF4-FFF2-40B4-BE49-F238E27FC236}">
-                <a16:creationId xmlns:a16="http://schemas.microsoft.com/office/drawing/2014/main" id="{CF21345C-8E38-29D1-74F7-0A3B0945E3DD}"/>
+                <a16:creationId xmlns:a16="http://schemas.microsoft.com/office/drawing/2014/main" xmlns="" id="{CF21345C-8E38-29D1-74F7-0A3B0945E3DD}"/>
               </a:ext>
             </a:extLst>
           </p:cNvPr>
@@ -1398,7 +1413,8 @@
           <a:p>
             <a:fld id="{2518929F-726D-42E9-A44C-360CAD7A2D2B}" type="datetimeFigureOut">
               <a:rPr lang="fr-FR" smtClean="0"/>
-              <a:t>01/04/2024</a:t>
+              <a:pPr/>
+              <a:t>02/04/2024</a:t>
             </a:fld>
             <a:endParaRPr lang="fr-FR"/>
           </a:p>
@@ -1409,7 +1425,7 @@
           <p:cNvPr id="6" name="Espace réservé du pied de page 5">
             <a:extLst>
               <a:ext uri="{FF2B5EF4-FFF2-40B4-BE49-F238E27FC236}">
-                <a16:creationId xmlns:a16="http://schemas.microsoft.com/office/drawing/2014/main" id="{8E4126B0-33F2-2156-722E-C6F060D96F9C}"/>
+                <a16:creationId xmlns:a16="http://schemas.microsoft.com/office/drawing/2014/main" xmlns="" id="{8E4126B0-33F2-2156-722E-C6F060D96F9C}"/>
               </a:ext>
             </a:extLst>
           </p:cNvPr>
@@ -1434,7 +1450,7 @@
           <p:cNvPr id="7" name="Espace réservé du numéro de diapositive 6">
             <a:extLst>
               <a:ext uri="{FF2B5EF4-FFF2-40B4-BE49-F238E27FC236}">
-                <a16:creationId xmlns:a16="http://schemas.microsoft.com/office/drawing/2014/main" id="{9182CB9C-FD75-8649-6FCC-F40D5D85F61D}"/>
+                <a16:creationId xmlns:a16="http://schemas.microsoft.com/office/drawing/2014/main" xmlns="" id="{9182CB9C-FD75-8649-6FCC-F40D5D85F61D}"/>
               </a:ext>
             </a:extLst>
           </p:cNvPr>
@@ -1452,6 +1468,7 @@
           <a:p>
             <a:fld id="{F7A2719A-0DF8-4312-9DEF-B72BA33BF0C0}" type="slidenum">
               <a:rPr lang="fr-FR" smtClean="0"/>
+              <a:pPr/>
               <a:t>‹N°›</a:t>
             </a:fld>
             <a:endParaRPr lang="fr-FR"/>
@@ -1461,7 +1478,7 @@
     </p:spTree>
     <p:extLst>
       <p:ext uri="{BB962C8B-B14F-4D97-AF65-F5344CB8AC3E}">
-        <p14:creationId xmlns:p14="http://schemas.microsoft.com/office/powerpoint/2010/main" val="4237975370"/>
+        <p14:creationId xmlns:p14="http://schemas.microsoft.com/office/powerpoint/2010/main" xmlns="" val="4237975370"/>
       </p:ext>
     </p:extLst>
   </p:cSld>
@@ -1493,7 +1510,7 @@
           <p:cNvPr id="2" name="Titre 1">
             <a:extLst>
               <a:ext uri="{FF2B5EF4-FFF2-40B4-BE49-F238E27FC236}">
-                <a16:creationId xmlns:a16="http://schemas.microsoft.com/office/drawing/2014/main" id="{DAA1344A-1D25-5DD8-0B06-A5992E781DF1}"/>
+                <a16:creationId xmlns:a16="http://schemas.microsoft.com/office/drawing/2014/main" xmlns="" id="{DAA1344A-1D25-5DD8-0B06-A5992E781DF1}"/>
               </a:ext>
             </a:extLst>
           </p:cNvPr>
@@ -1526,7 +1543,7 @@
           <p:cNvPr id="3" name="Espace réservé du texte 2">
             <a:extLst>
               <a:ext uri="{FF2B5EF4-FFF2-40B4-BE49-F238E27FC236}">
-                <a16:creationId xmlns:a16="http://schemas.microsoft.com/office/drawing/2014/main" id="{69DF5A21-27AF-090F-2BE4-A006619EF1D6}"/>
+                <a16:creationId xmlns:a16="http://schemas.microsoft.com/office/drawing/2014/main" xmlns="" id="{69DF5A21-27AF-090F-2BE4-A006619EF1D6}"/>
               </a:ext>
             </a:extLst>
           </p:cNvPr>
@@ -1597,7 +1614,7 @@
           <p:cNvPr id="4" name="Espace réservé du contenu 3">
             <a:extLst>
               <a:ext uri="{FF2B5EF4-FFF2-40B4-BE49-F238E27FC236}">
-                <a16:creationId xmlns:a16="http://schemas.microsoft.com/office/drawing/2014/main" id="{B7D02FCF-FF26-F9BA-21C7-31F2B66C7018}"/>
+                <a16:creationId xmlns:a16="http://schemas.microsoft.com/office/drawing/2014/main" xmlns="" id="{B7D02FCF-FF26-F9BA-21C7-31F2B66C7018}"/>
               </a:ext>
             </a:extLst>
           </p:cNvPr>
@@ -1659,7 +1676,7 @@
           <p:cNvPr id="5" name="Espace réservé du texte 4">
             <a:extLst>
               <a:ext uri="{FF2B5EF4-FFF2-40B4-BE49-F238E27FC236}">
-                <a16:creationId xmlns:a16="http://schemas.microsoft.com/office/drawing/2014/main" id="{057FF75D-5163-0629-437A-27FFBAD38D02}"/>
+                <a16:creationId xmlns:a16="http://schemas.microsoft.com/office/drawing/2014/main" xmlns="" id="{057FF75D-5163-0629-437A-27FFBAD38D02}"/>
               </a:ext>
             </a:extLst>
           </p:cNvPr>
@@ -1730,7 +1747,7 @@
           <p:cNvPr id="6" name="Espace réservé du contenu 5">
             <a:extLst>
               <a:ext uri="{FF2B5EF4-FFF2-40B4-BE49-F238E27FC236}">
-                <a16:creationId xmlns:a16="http://schemas.microsoft.com/office/drawing/2014/main" id="{A1A86B61-2D47-BCC5-0B9B-DAD5F8722E34}"/>
+                <a16:creationId xmlns:a16="http://schemas.microsoft.com/office/drawing/2014/main" xmlns="" id="{A1A86B61-2D47-BCC5-0B9B-DAD5F8722E34}"/>
               </a:ext>
             </a:extLst>
           </p:cNvPr>
@@ -1792,7 +1809,7 @@
           <p:cNvPr id="7" name="Espace réservé de la date 6">
             <a:extLst>
               <a:ext uri="{FF2B5EF4-FFF2-40B4-BE49-F238E27FC236}">
-                <a16:creationId xmlns:a16="http://schemas.microsoft.com/office/drawing/2014/main" id="{8DBA5348-918A-2D25-CF56-13982794B4B9}"/>
+                <a16:creationId xmlns:a16="http://schemas.microsoft.com/office/drawing/2014/main" xmlns="" id="{8DBA5348-918A-2D25-CF56-13982794B4B9}"/>
               </a:ext>
             </a:extLst>
           </p:cNvPr>
@@ -1810,7 +1827,8 @@
           <a:p>
             <a:fld id="{2518929F-726D-42E9-A44C-360CAD7A2D2B}" type="datetimeFigureOut">
               <a:rPr lang="fr-FR" smtClean="0"/>
-              <a:t>01/04/2024</a:t>
+              <a:pPr/>
+              <a:t>02/04/2024</a:t>
             </a:fld>
             <a:endParaRPr lang="fr-FR"/>
           </a:p>
@@ -1821,7 +1839,7 @@
           <p:cNvPr id="8" name="Espace réservé du pied de page 7">
             <a:extLst>
               <a:ext uri="{FF2B5EF4-FFF2-40B4-BE49-F238E27FC236}">
-                <a16:creationId xmlns:a16="http://schemas.microsoft.com/office/drawing/2014/main" id="{063769A4-D754-097E-E8D4-7788DE55F537}"/>
+                <a16:creationId xmlns:a16="http://schemas.microsoft.com/office/drawing/2014/main" xmlns="" id="{063769A4-D754-097E-E8D4-7788DE55F537}"/>
               </a:ext>
             </a:extLst>
           </p:cNvPr>
@@ -1846,7 +1864,7 @@
           <p:cNvPr id="9" name="Espace réservé du numéro de diapositive 8">
             <a:extLst>
               <a:ext uri="{FF2B5EF4-FFF2-40B4-BE49-F238E27FC236}">
-                <a16:creationId xmlns:a16="http://schemas.microsoft.com/office/drawing/2014/main" id="{0052B94D-92A3-042D-D528-23B628BDFB4F}"/>
+                <a16:creationId xmlns:a16="http://schemas.microsoft.com/office/drawing/2014/main" xmlns="" id="{0052B94D-92A3-042D-D528-23B628BDFB4F}"/>
               </a:ext>
             </a:extLst>
           </p:cNvPr>
@@ -1864,6 +1882,7 @@
           <a:p>
             <a:fld id="{F7A2719A-0DF8-4312-9DEF-B72BA33BF0C0}" type="slidenum">
               <a:rPr lang="fr-FR" smtClean="0"/>
+              <a:pPr/>
               <a:t>‹N°›</a:t>
             </a:fld>
             <a:endParaRPr lang="fr-FR"/>
@@ -1873,7 +1892,7 @@
     </p:spTree>
     <p:extLst>
       <p:ext uri="{BB962C8B-B14F-4D97-AF65-F5344CB8AC3E}">
-        <p14:creationId xmlns:p14="http://schemas.microsoft.com/office/powerpoint/2010/main" val="1101299440"/>
+        <p14:creationId xmlns:p14="http://schemas.microsoft.com/office/powerpoint/2010/main" xmlns="" val="1101299440"/>
       </p:ext>
     </p:extLst>
   </p:cSld>
@@ -1905,7 +1924,7 @@
           <p:cNvPr id="2" name="Titre 1">
             <a:extLst>
               <a:ext uri="{FF2B5EF4-FFF2-40B4-BE49-F238E27FC236}">
-                <a16:creationId xmlns:a16="http://schemas.microsoft.com/office/drawing/2014/main" id="{73207BE4-5507-F0E5-D4D7-67A08B292983}"/>
+                <a16:creationId xmlns:a16="http://schemas.microsoft.com/office/drawing/2014/main" xmlns="" id="{73207BE4-5507-F0E5-D4D7-67A08B292983}"/>
               </a:ext>
             </a:extLst>
           </p:cNvPr>
@@ -1933,7 +1952,7 @@
           <p:cNvPr id="3" name="Espace réservé de la date 2">
             <a:extLst>
               <a:ext uri="{FF2B5EF4-FFF2-40B4-BE49-F238E27FC236}">
-                <a16:creationId xmlns:a16="http://schemas.microsoft.com/office/drawing/2014/main" id="{78FC5DC5-F9C5-D612-38B3-3981041E63E6}"/>
+                <a16:creationId xmlns:a16="http://schemas.microsoft.com/office/drawing/2014/main" xmlns="" id="{78FC5DC5-F9C5-D612-38B3-3981041E63E6}"/>
               </a:ext>
             </a:extLst>
           </p:cNvPr>
@@ -1951,7 +1970,8 @@
           <a:p>
             <a:fld id="{2518929F-726D-42E9-A44C-360CAD7A2D2B}" type="datetimeFigureOut">
               <a:rPr lang="fr-FR" smtClean="0"/>
-              <a:t>01/04/2024</a:t>
+              <a:pPr/>
+              <a:t>02/04/2024</a:t>
             </a:fld>
             <a:endParaRPr lang="fr-FR"/>
           </a:p>
@@ -1962,7 +1982,7 @@
           <p:cNvPr id="4" name="Espace réservé du pied de page 3">
             <a:extLst>
               <a:ext uri="{FF2B5EF4-FFF2-40B4-BE49-F238E27FC236}">
-                <a16:creationId xmlns:a16="http://schemas.microsoft.com/office/drawing/2014/main" id="{EDF951D8-EB65-F03E-D849-9711078CA14C}"/>
+                <a16:creationId xmlns:a16="http://schemas.microsoft.com/office/drawing/2014/main" xmlns="" id="{EDF951D8-EB65-F03E-D849-9711078CA14C}"/>
               </a:ext>
             </a:extLst>
           </p:cNvPr>
@@ -1987,7 +2007,7 @@
           <p:cNvPr id="5" name="Espace réservé du numéro de diapositive 4">
             <a:extLst>
               <a:ext uri="{FF2B5EF4-FFF2-40B4-BE49-F238E27FC236}">
-                <a16:creationId xmlns:a16="http://schemas.microsoft.com/office/drawing/2014/main" id="{6C43D08A-08E2-4B59-C650-95128127E5A7}"/>
+                <a16:creationId xmlns:a16="http://schemas.microsoft.com/office/drawing/2014/main" xmlns="" id="{6C43D08A-08E2-4B59-C650-95128127E5A7}"/>
               </a:ext>
             </a:extLst>
           </p:cNvPr>
@@ -2005,6 +2025,7 @@
           <a:p>
             <a:fld id="{F7A2719A-0DF8-4312-9DEF-B72BA33BF0C0}" type="slidenum">
               <a:rPr lang="fr-FR" smtClean="0"/>
+              <a:pPr/>
               <a:t>‹N°›</a:t>
             </a:fld>
             <a:endParaRPr lang="fr-FR"/>
@@ -2014,7 +2035,7 @@
     </p:spTree>
     <p:extLst>
       <p:ext uri="{BB962C8B-B14F-4D97-AF65-F5344CB8AC3E}">
-        <p14:creationId xmlns:p14="http://schemas.microsoft.com/office/powerpoint/2010/main" val="217882311"/>
+        <p14:creationId xmlns:p14="http://schemas.microsoft.com/office/powerpoint/2010/main" xmlns="" val="217882311"/>
       </p:ext>
     </p:extLst>
   </p:cSld>
@@ -2046,7 +2067,7 @@
           <p:cNvPr id="2" name="Espace réservé de la date 1">
             <a:extLst>
               <a:ext uri="{FF2B5EF4-FFF2-40B4-BE49-F238E27FC236}">
-                <a16:creationId xmlns:a16="http://schemas.microsoft.com/office/drawing/2014/main" id="{7987FE27-A8EB-4E8D-4EB4-9910DCE3BADD}"/>
+                <a16:creationId xmlns:a16="http://schemas.microsoft.com/office/drawing/2014/main" xmlns="" id="{7987FE27-A8EB-4E8D-4EB4-9910DCE3BADD}"/>
               </a:ext>
             </a:extLst>
           </p:cNvPr>
@@ -2064,7 +2085,8 @@
           <a:p>
             <a:fld id="{2518929F-726D-42E9-A44C-360CAD7A2D2B}" type="datetimeFigureOut">
               <a:rPr lang="fr-FR" smtClean="0"/>
-              <a:t>01/04/2024</a:t>
+              <a:pPr/>
+              <a:t>02/04/2024</a:t>
             </a:fld>
             <a:endParaRPr lang="fr-FR"/>
           </a:p>
@@ -2075,7 +2097,7 @@
           <p:cNvPr id="3" name="Espace réservé du pied de page 2">
             <a:extLst>
               <a:ext uri="{FF2B5EF4-FFF2-40B4-BE49-F238E27FC236}">
-                <a16:creationId xmlns:a16="http://schemas.microsoft.com/office/drawing/2014/main" id="{ACA7348C-F70D-C7A5-2A30-CF998A7D808B}"/>
+                <a16:creationId xmlns:a16="http://schemas.microsoft.com/office/drawing/2014/main" xmlns="" id="{ACA7348C-F70D-C7A5-2A30-CF998A7D808B}"/>
               </a:ext>
             </a:extLst>
           </p:cNvPr>
@@ -2100,7 +2122,7 @@
           <p:cNvPr id="4" name="Espace réservé du numéro de diapositive 3">
             <a:extLst>
               <a:ext uri="{FF2B5EF4-FFF2-40B4-BE49-F238E27FC236}">
-                <a16:creationId xmlns:a16="http://schemas.microsoft.com/office/drawing/2014/main" id="{4418C500-6A16-B22C-EA6B-36E98E68D860}"/>
+                <a16:creationId xmlns:a16="http://schemas.microsoft.com/office/drawing/2014/main" xmlns="" id="{4418C500-6A16-B22C-EA6B-36E98E68D860}"/>
               </a:ext>
             </a:extLst>
           </p:cNvPr>
@@ -2118,6 +2140,7 @@
           <a:p>
             <a:fld id="{F7A2719A-0DF8-4312-9DEF-B72BA33BF0C0}" type="slidenum">
               <a:rPr lang="fr-FR" smtClean="0"/>
+              <a:pPr/>
               <a:t>‹N°›</a:t>
             </a:fld>
             <a:endParaRPr lang="fr-FR"/>
@@ -2127,7 +2150,7 @@
     </p:spTree>
     <p:extLst>
       <p:ext uri="{BB962C8B-B14F-4D97-AF65-F5344CB8AC3E}">
-        <p14:creationId xmlns:p14="http://schemas.microsoft.com/office/powerpoint/2010/main" val="4130027694"/>
+        <p14:creationId xmlns:p14="http://schemas.microsoft.com/office/powerpoint/2010/main" xmlns="" val="4130027694"/>
       </p:ext>
     </p:extLst>
   </p:cSld>
@@ -2159,7 +2182,7 @@
           <p:cNvPr id="2" name="Titre 1">
             <a:extLst>
               <a:ext uri="{FF2B5EF4-FFF2-40B4-BE49-F238E27FC236}">
-                <a16:creationId xmlns:a16="http://schemas.microsoft.com/office/drawing/2014/main" id="{D8C11466-9589-5AB9-4D69-DDF59412B4D5}"/>
+                <a16:creationId xmlns:a16="http://schemas.microsoft.com/office/drawing/2014/main" xmlns="" id="{D8C11466-9589-5AB9-4D69-DDF59412B4D5}"/>
               </a:ext>
             </a:extLst>
           </p:cNvPr>
@@ -2196,7 +2219,7 @@
           <p:cNvPr id="3" name="Espace réservé du contenu 2">
             <a:extLst>
               <a:ext uri="{FF2B5EF4-FFF2-40B4-BE49-F238E27FC236}">
-                <a16:creationId xmlns:a16="http://schemas.microsoft.com/office/drawing/2014/main" id="{A4E0693B-253C-91D0-9F25-7F53260F9EE8}"/>
+                <a16:creationId xmlns:a16="http://schemas.microsoft.com/office/drawing/2014/main" xmlns="" id="{A4E0693B-253C-91D0-9F25-7F53260F9EE8}"/>
               </a:ext>
             </a:extLst>
           </p:cNvPr>
@@ -2286,7 +2309,7 @@
           <p:cNvPr id="4" name="Espace réservé du texte 3">
             <a:extLst>
               <a:ext uri="{FF2B5EF4-FFF2-40B4-BE49-F238E27FC236}">
-                <a16:creationId xmlns:a16="http://schemas.microsoft.com/office/drawing/2014/main" id="{4627D1D7-D0DF-933B-5C1C-89933A5735DE}"/>
+                <a16:creationId xmlns:a16="http://schemas.microsoft.com/office/drawing/2014/main" xmlns="" id="{4627D1D7-D0DF-933B-5C1C-89933A5735DE}"/>
               </a:ext>
             </a:extLst>
           </p:cNvPr>
@@ -2357,7 +2380,7 @@
           <p:cNvPr id="5" name="Espace réservé de la date 4">
             <a:extLst>
               <a:ext uri="{FF2B5EF4-FFF2-40B4-BE49-F238E27FC236}">
-                <a16:creationId xmlns:a16="http://schemas.microsoft.com/office/drawing/2014/main" id="{A32A8B45-FFD3-2E62-FF8A-D023447D05C6}"/>
+                <a16:creationId xmlns:a16="http://schemas.microsoft.com/office/drawing/2014/main" xmlns="" id="{A32A8B45-FFD3-2E62-FF8A-D023447D05C6}"/>
               </a:ext>
             </a:extLst>
           </p:cNvPr>
@@ -2375,7 +2398,8 @@
           <a:p>
             <a:fld id="{2518929F-726D-42E9-A44C-360CAD7A2D2B}" type="datetimeFigureOut">
               <a:rPr lang="fr-FR" smtClean="0"/>
-              <a:t>01/04/2024</a:t>
+              <a:pPr/>
+              <a:t>02/04/2024</a:t>
             </a:fld>
             <a:endParaRPr lang="fr-FR"/>
           </a:p>
@@ -2386,7 +2410,7 @@
           <p:cNvPr id="6" name="Espace réservé du pied de page 5">
             <a:extLst>
               <a:ext uri="{FF2B5EF4-FFF2-40B4-BE49-F238E27FC236}">
-                <a16:creationId xmlns:a16="http://schemas.microsoft.com/office/drawing/2014/main" id="{2B74923E-8FEB-F4AE-934E-1ACF177A6D79}"/>
+                <a16:creationId xmlns:a16="http://schemas.microsoft.com/office/drawing/2014/main" xmlns="" id="{2B74923E-8FEB-F4AE-934E-1ACF177A6D79}"/>
               </a:ext>
             </a:extLst>
           </p:cNvPr>
@@ -2411,7 +2435,7 @@
           <p:cNvPr id="7" name="Espace réservé du numéro de diapositive 6">
             <a:extLst>
               <a:ext uri="{FF2B5EF4-FFF2-40B4-BE49-F238E27FC236}">
-                <a16:creationId xmlns:a16="http://schemas.microsoft.com/office/drawing/2014/main" id="{4E20CA8F-8458-E623-41E9-B31C1E7039F5}"/>
+                <a16:creationId xmlns:a16="http://schemas.microsoft.com/office/drawing/2014/main" xmlns="" id="{4E20CA8F-8458-E623-41E9-B31C1E7039F5}"/>
               </a:ext>
             </a:extLst>
           </p:cNvPr>
@@ -2429,6 +2453,7 @@
           <a:p>
             <a:fld id="{F7A2719A-0DF8-4312-9DEF-B72BA33BF0C0}" type="slidenum">
               <a:rPr lang="fr-FR" smtClean="0"/>
+              <a:pPr/>
               <a:t>‹N°›</a:t>
             </a:fld>
             <a:endParaRPr lang="fr-FR"/>
@@ -2438,7 +2463,7 @@
     </p:spTree>
     <p:extLst>
       <p:ext uri="{BB962C8B-B14F-4D97-AF65-F5344CB8AC3E}">
-        <p14:creationId xmlns:p14="http://schemas.microsoft.com/office/powerpoint/2010/main" val="1596024595"/>
+        <p14:creationId xmlns:p14="http://schemas.microsoft.com/office/powerpoint/2010/main" xmlns="" val="1596024595"/>
       </p:ext>
     </p:extLst>
   </p:cSld>
@@ -2470,7 +2495,7 @@
           <p:cNvPr id="2" name="Titre 1">
             <a:extLst>
               <a:ext uri="{FF2B5EF4-FFF2-40B4-BE49-F238E27FC236}">
-                <a16:creationId xmlns:a16="http://schemas.microsoft.com/office/drawing/2014/main" id="{61773A94-CD1B-A718-4C11-11A5A3E210AF}"/>
+                <a16:creationId xmlns:a16="http://schemas.microsoft.com/office/drawing/2014/main" xmlns="" id="{61773A94-CD1B-A718-4C11-11A5A3E210AF}"/>
               </a:ext>
             </a:extLst>
           </p:cNvPr>
@@ -2507,7 +2532,7 @@
           <p:cNvPr id="3" name="Espace réservé pour une image  2">
             <a:extLst>
               <a:ext uri="{FF2B5EF4-FFF2-40B4-BE49-F238E27FC236}">
-                <a16:creationId xmlns:a16="http://schemas.microsoft.com/office/drawing/2014/main" id="{ABEC288D-006F-FC49-9AA3-A4AFE99B2F63}"/>
+                <a16:creationId xmlns:a16="http://schemas.microsoft.com/office/drawing/2014/main" xmlns="" id="{ABEC288D-006F-FC49-9AA3-A4AFE99B2F63}"/>
               </a:ext>
             </a:extLst>
           </p:cNvPr>
@@ -2574,7 +2599,7 @@
           <p:cNvPr id="4" name="Espace réservé du texte 3">
             <a:extLst>
               <a:ext uri="{FF2B5EF4-FFF2-40B4-BE49-F238E27FC236}">
-                <a16:creationId xmlns:a16="http://schemas.microsoft.com/office/drawing/2014/main" id="{7FCFE5F2-349E-0C3E-72AC-CC03282666F1}"/>
+                <a16:creationId xmlns:a16="http://schemas.microsoft.com/office/drawing/2014/main" xmlns="" id="{7FCFE5F2-349E-0C3E-72AC-CC03282666F1}"/>
               </a:ext>
             </a:extLst>
           </p:cNvPr>
@@ -2645,7 +2670,7 @@
           <p:cNvPr id="5" name="Espace réservé de la date 4">
             <a:extLst>
               <a:ext uri="{FF2B5EF4-FFF2-40B4-BE49-F238E27FC236}">
-                <a16:creationId xmlns:a16="http://schemas.microsoft.com/office/drawing/2014/main" id="{80B20A34-5C5C-0E82-32EB-8FB49005D9CC}"/>
+                <a16:creationId xmlns:a16="http://schemas.microsoft.com/office/drawing/2014/main" xmlns="" id="{80B20A34-5C5C-0E82-32EB-8FB49005D9CC}"/>
               </a:ext>
             </a:extLst>
           </p:cNvPr>
@@ -2663,7 +2688,8 @@
           <a:p>
             <a:fld id="{2518929F-726D-42E9-A44C-360CAD7A2D2B}" type="datetimeFigureOut">
               <a:rPr lang="fr-FR" smtClean="0"/>
-              <a:t>01/04/2024</a:t>
+              <a:pPr/>
+              <a:t>02/04/2024</a:t>
             </a:fld>
             <a:endParaRPr lang="fr-FR"/>
           </a:p>
@@ -2674,7 +2700,7 @@
           <p:cNvPr id="6" name="Espace réservé du pied de page 5">
             <a:extLst>
               <a:ext uri="{FF2B5EF4-FFF2-40B4-BE49-F238E27FC236}">
-                <a16:creationId xmlns:a16="http://schemas.microsoft.com/office/drawing/2014/main" id="{A847D219-C33D-6354-9677-024CF59204EB}"/>
+                <a16:creationId xmlns:a16="http://schemas.microsoft.com/office/drawing/2014/main" xmlns="" id="{A847D219-C33D-6354-9677-024CF59204EB}"/>
               </a:ext>
             </a:extLst>
           </p:cNvPr>
@@ -2699,7 +2725,7 @@
           <p:cNvPr id="7" name="Espace réservé du numéro de diapositive 6">
             <a:extLst>
               <a:ext uri="{FF2B5EF4-FFF2-40B4-BE49-F238E27FC236}">
-                <a16:creationId xmlns:a16="http://schemas.microsoft.com/office/drawing/2014/main" id="{F623F5D9-D6AE-6DC4-ED51-BD66EC0C3956}"/>
+                <a16:creationId xmlns:a16="http://schemas.microsoft.com/office/drawing/2014/main" xmlns="" id="{F623F5D9-D6AE-6DC4-ED51-BD66EC0C3956}"/>
               </a:ext>
             </a:extLst>
           </p:cNvPr>
@@ -2717,6 +2743,7 @@
           <a:p>
             <a:fld id="{F7A2719A-0DF8-4312-9DEF-B72BA33BF0C0}" type="slidenum">
               <a:rPr lang="fr-FR" smtClean="0"/>
+              <a:pPr/>
               <a:t>‹N°›</a:t>
             </a:fld>
             <a:endParaRPr lang="fr-FR"/>
@@ -2726,7 +2753,7 @@
     </p:spTree>
     <p:extLst>
       <p:ext uri="{BB962C8B-B14F-4D97-AF65-F5344CB8AC3E}">
-        <p14:creationId xmlns:p14="http://schemas.microsoft.com/office/powerpoint/2010/main" val="2394181514"/>
+        <p14:creationId xmlns:p14="http://schemas.microsoft.com/office/powerpoint/2010/main" xmlns="" val="2394181514"/>
       </p:ext>
     </p:extLst>
   </p:cSld>
@@ -2763,7 +2790,7 @@
           <p:cNvPr id="2" name="Espace réservé du titre 1">
             <a:extLst>
               <a:ext uri="{FF2B5EF4-FFF2-40B4-BE49-F238E27FC236}">
-                <a16:creationId xmlns:a16="http://schemas.microsoft.com/office/drawing/2014/main" id="{DCBF6E0D-42EF-BF7C-54A4-994117A15DA8}"/>
+                <a16:creationId xmlns:a16="http://schemas.microsoft.com/office/drawing/2014/main" xmlns="" id="{DCBF6E0D-42EF-BF7C-54A4-994117A15DA8}"/>
               </a:ext>
             </a:extLst>
           </p:cNvPr>
@@ -2801,7 +2828,7 @@
           <p:cNvPr id="3" name="Espace réservé du texte 2">
             <a:extLst>
               <a:ext uri="{FF2B5EF4-FFF2-40B4-BE49-F238E27FC236}">
-                <a16:creationId xmlns:a16="http://schemas.microsoft.com/office/drawing/2014/main" id="{87F26D80-8E29-48F1-F629-523F2B5B43D3}"/>
+                <a16:creationId xmlns:a16="http://schemas.microsoft.com/office/drawing/2014/main" xmlns="" id="{87F26D80-8E29-48F1-F629-523F2B5B43D3}"/>
               </a:ext>
             </a:extLst>
           </p:cNvPr>
@@ -2868,7 +2895,7 @@
           <p:cNvPr id="4" name="Espace réservé de la date 3">
             <a:extLst>
               <a:ext uri="{FF2B5EF4-FFF2-40B4-BE49-F238E27FC236}">
-                <a16:creationId xmlns:a16="http://schemas.microsoft.com/office/drawing/2014/main" id="{4F00F675-A369-EE20-2306-7127664C693B}"/>
+                <a16:creationId xmlns:a16="http://schemas.microsoft.com/office/drawing/2014/main" xmlns="" id="{4F00F675-A369-EE20-2306-7127664C693B}"/>
               </a:ext>
             </a:extLst>
           </p:cNvPr>
@@ -2904,7 +2931,8 @@
           <a:p>
             <a:fld id="{2518929F-726D-42E9-A44C-360CAD7A2D2B}" type="datetimeFigureOut">
               <a:rPr lang="fr-FR" smtClean="0"/>
-              <a:t>01/04/2024</a:t>
+              <a:pPr/>
+              <a:t>02/04/2024</a:t>
             </a:fld>
             <a:endParaRPr lang="fr-FR"/>
           </a:p>
@@ -2915,7 +2943,7 @@
           <p:cNvPr id="5" name="Espace réservé du pied de page 4">
             <a:extLst>
               <a:ext uri="{FF2B5EF4-FFF2-40B4-BE49-F238E27FC236}">
-                <a16:creationId xmlns:a16="http://schemas.microsoft.com/office/drawing/2014/main" id="{567918BE-49A4-7B93-D287-9FE6CE121C7C}"/>
+                <a16:creationId xmlns:a16="http://schemas.microsoft.com/office/drawing/2014/main" xmlns="" id="{567918BE-49A4-7B93-D287-9FE6CE121C7C}"/>
               </a:ext>
             </a:extLst>
           </p:cNvPr>
@@ -2958,7 +2986,7 @@
           <p:cNvPr id="6" name="Espace réservé du numéro de diapositive 5">
             <a:extLst>
               <a:ext uri="{FF2B5EF4-FFF2-40B4-BE49-F238E27FC236}">
-                <a16:creationId xmlns:a16="http://schemas.microsoft.com/office/drawing/2014/main" id="{F56439BC-E0A6-C5D6-ACC6-BC3B6D9706FA}"/>
+                <a16:creationId xmlns:a16="http://schemas.microsoft.com/office/drawing/2014/main" xmlns="" id="{F56439BC-E0A6-C5D6-ACC6-BC3B6D9706FA}"/>
               </a:ext>
             </a:extLst>
           </p:cNvPr>
@@ -2994,6 +3022,7 @@
           <a:p>
             <a:fld id="{F7A2719A-0DF8-4312-9DEF-B72BA33BF0C0}" type="slidenum">
               <a:rPr lang="fr-FR" smtClean="0"/>
+              <a:pPr/>
               <a:t>‹N°›</a:t>
             </a:fld>
             <a:endParaRPr lang="fr-FR"/>
@@ -3003,7 +3032,7 @@
     </p:spTree>
     <p:extLst>
       <p:ext uri="{BB962C8B-B14F-4D97-AF65-F5344CB8AC3E}">
-        <p14:creationId xmlns:p14="http://schemas.microsoft.com/office/powerpoint/2010/main" val="4154379746"/>
+        <p14:creationId xmlns:p14="http://schemas.microsoft.com/office/powerpoint/2010/main" xmlns="" val="4154379746"/>
       </p:ext>
     </p:extLst>
   </p:cSld>
@@ -3326,7 +3355,7 @@
           <p:cNvPr id="4" name="Ellipse 3">
             <a:extLst>
               <a:ext uri="{FF2B5EF4-FFF2-40B4-BE49-F238E27FC236}">
-                <a16:creationId xmlns:a16="http://schemas.microsoft.com/office/drawing/2014/main" id="{A7EF0486-61F2-3D52-736A-4ACAF3EC05AF}"/>
+                <a16:creationId xmlns:a16="http://schemas.microsoft.com/office/drawing/2014/main" xmlns="" id="{A7EF0486-61F2-3D52-736A-4ACAF3EC05AF}"/>
               </a:ext>
             </a:extLst>
           </p:cNvPr>
@@ -3335,7 +3364,7 @@
         </p:nvSpPr>
         <p:spPr>
           <a:xfrm>
-            <a:off x="3798915" y="2319595"/>
+            <a:off x="3782439" y="2327832"/>
             <a:ext cx="2369127" cy="1429789"/>
           </a:xfrm>
           <a:prstGeom prst="ellipse">
@@ -3375,7 +3404,7 @@
           <p:cNvPr id="5" name="Rectangle 4">
             <a:extLst>
               <a:ext uri="{FF2B5EF4-FFF2-40B4-BE49-F238E27FC236}">
-                <a16:creationId xmlns:a16="http://schemas.microsoft.com/office/drawing/2014/main" id="{B559514A-9AD8-C79C-89CD-C8425B09D52D}"/>
+                <a16:creationId xmlns:a16="http://schemas.microsoft.com/office/drawing/2014/main" xmlns="" id="{B559514A-9AD8-C79C-89CD-C8425B09D52D}"/>
               </a:ext>
             </a:extLst>
           </p:cNvPr>
@@ -3384,7 +3413,7 @@
         </p:nvSpPr>
         <p:spPr>
           <a:xfrm>
-            <a:off x="2460566" y="931718"/>
+            <a:off x="2773604" y="816388"/>
             <a:ext cx="1338349" cy="556953"/>
           </a:xfrm>
           <a:prstGeom prst="rect">
@@ -3424,7 +3453,7 @@
           <p:cNvPr id="6" name="Rectangle 5">
             <a:extLst>
               <a:ext uri="{FF2B5EF4-FFF2-40B4-BE49-F238E27FC236}">
-                <a16:creationId xmlns:a16="http://schemas.microsoft.com/office/drawing/2014/main" id="{AE762113-2F9D-AB25-B43A-711641EF0CB0}"/>
+                <a16:creationId xmlns:a16="http://schemas.microsoft.com/office/drawing/2014/main" xmlns="" id="{AE762113-2F9D-AB25-B43A-711641EF0CB0}"/>
               </a:ext>
             </a:extLst>
           </p:cNvPr>
@@ -3433,7 +3462,7 @@
         </p:nvSpPr>
         <p:spPr>
           <a:xfrm>
-            <a:off x="1486591" y="3428996"/>
+            <a:off x="1676061" y="3585513"/>
             <a:ext cx="1338349" cy="556953"/>
           </a:xfrm>
           <a:prstGeom prst="rect">
@@ -3473,7 +3502,7 @@
           <p:cNvPr id="7" name="Rectangle 6">
             <a:extLst>
               <a:ext uri="{FF2B5EF4-FFF2-40B4-BE49-F238E27FC236}">
-                <a16:creationId xmlns:a16="http://schemas.microsoft.com/office/drawing/2014/main" id="{D10D555E-1955-1310-3236-CA93E85C8143}"/>
+                <a16:creationId xmlns:a16="http://schemas.microsoft.com/office/drawing/2014/main" xmlns="" id="{D10D555E-1955-1310-3236-CA93E85C8143}"/>
               </a:ext>
             </a:extLst>
           </p:cNvPr>
@@ -3482,7 +3511,7 @@
         </p:nvSpPr>
         <p:spPr>
           <a:xfrm>
-            <a:off x="1486591" y="1953490"/>
+            <a:off x="1593683" y="2192387"/>
             <a:ext cx="1338349" cy="556953"/>
           </a:xfrm>
           <a:prstGeom prst="rect">
@@ -3522,7 +3551,7 @@
           <p:cNvPr id="8" name="Rectangle 7">
             <a:extLst>
               <a:ext uri="{FF2B5EF4-FFF2-40B4-BE49-F238E27FC236}">
-                <a16:creationId xmlns:a16="http://schemas.microsoft.com/office/drawing/2014/main" id="{4F0BB834-6437-0D06-DE29-1591629131CC}"/>
+                <a16:creationId xmlns:a16="http://schemas.microsoft.com/office/drawing/2014/main" xmlns="" id="{4F0BB834-6437-0D06-DE29-1591629131CC}"/>
               </a:ext>
             </a:extLst>
           </p:cNvPr>
@@ -3571,7 +3600,7 @@
           <p:cNvPr id="10" name="Connecteur droit avec flèche 9">
             <a:extLst>
               <a:ext uri="{FF2B5EF4-FFF2-40B4-BE49-F238E27FC236}">
-                <a16:creationId xmlns:a16="http://schemas.microsoft.com/office/drawing/2014/main" id="{FAA3B170-B46E-E83A-D74A-C4C792F852CD}"/>
+                <a16:creationId xmlns:a16="http://schemas.microsoft.com/office/drawing/2014/main" xmlns="" id="{FAA3B170-B46E-E83A-D74A-C4C792F852CD}"/>
               </a:ext>
             </a:extLst>
           </p:cNvPr>
@@ -3613,7 +3642,7 @@
           <p:cNvPr id="12" name="Connecteur droit avec flèche 11">
             <a:extLst>
               <a:ext uri="{FF2B5EF4-FFF2-40B4-BE49-F238E27FC236}">
-                <a16:creationId xmlns:a16="http://schemas.microsoft.com/office/drawing/2014/main" id="{70503909-03F4-748A-1581-4D1B27BAFC53}"/>
+                <a16:creationId xmlns:a16="http://schemas.microsoft.com/office/drawing/2014/main" xmlns="" id="{70503909-03F4-748A-1581-4D1B27BAFC53}"/>
               </a:ext>
             </a:extLst>
           </p:cNvPr>
@@ -3624,7 +3653,7 @@
         </p:nvCxnSpPr>
         <p:spPr>
           <a:xfrm flipV="1">
-            <a:off x="2824940" y="3208713"/>
+            <a:off x="2997935" y="3414659"/>
             <a:ext cx="1040477" cy="220283"/>
           </a:xfrm>
           <a:prstGeom prst="straightConnector1">
@@ -3657,18 +3686,16 @@
           <p:cNvPr id="15" name="Connecteur droit avec flèche 14">
             <a:extLst>
               <a:ext uri="{FF2B5EF4-FFF2-40B4-BE49-F238E27FC236}">
-                <a16:creationId xmlns:a16="http://schemas.microsoft.com/office/drawing/2014/main" id="{0A49C11B-3150-4E98-3F19-199EC560F23C}"/>
-              </a:ext>
-            </a:extLst>
-          </p:cNvPr>
-          <p:cNvCxnSpPr>
-            <a:endCxn id="4" idx="2"/>
-          </p:cNvCxnSpPr>
+                <a16:creationId xmlns:a16="http://schemas.microsoft.com/office/drawing/2014/main" xmlns="" id="{0A49C11B-3150-4E98-3F19-199EC560F23C}"/>
+              </a:ext>
+            </a:extLst>
+          </p:cNvPr>
+          <p:cNvCxnSpPr/>
           <p:nvPr/>
         </p:nvCxnSpPr>
         <p:spPr>
           <a:xfrm>
-            <a:off x="2824940" y="2510443"/>
+            <a:off x="2923794" y="2230357"/>
             <a:ext cx="973975" cy="524047"/>
           </a:xfrm>
           <a:prstGeom prst="straightConnector1">
@@ -3701,18 +3728,16 @@
           <p:cNvPr id="18" name="Connecteur droit avec flèche 17">
             <a:extLst>
               <a:ext uri="{FF2B5EF4-FFF2-40B4-BE49-F238E27FC236}">
-                <a16:creationId xmlns:a16="http://schemas.microsoft.com/office/drawing/2014/main" id="{03780D4E-0E5A-FF25-E253-5B75B31D7D94}"/>
-              </a:ext>
-            </a:extLst>
-          </p:cNvPr>
-          <p:cNvCxnSpPr>
-            <a:endCxn id="4" idx="1"/>
-          </p:cNvCxnSpPr>
+                <a16:creationId xmlns:a16="http://schemas.microsoft.com/office/drawing/2014/main" xmlns="" id="{03780D4E-0E5A-FF25-E253-5B75B31D7D94}"/>
+              </a:ext>
+            </a:extLst>
+          </p:cNvPr>
+          <p:cNvCxnSpPr/>
           <p:nvPr/>
         </p:nvCxnSpPr>
         <p:spPr>
           <a:xfrm>
-            <a:off x="3798915" y="1488671"/>
+            <a:off x="4062526" y="1373341"/>
             <a:ext cx="346951" cy="1040312"/>
           </a:xfrm>
           <a:prstGeom prst="straightConnector1">
@@ -3745,7 +3770,7 @@
           <p:cNvPr id="19" name="Ellipse 18">
             <a:extLst>
               <a:ext uri="{FF2B5EF4-FFF2-40B4-BE49-F238E27FC236}">
-                <a16:creationId xmlns:a16="http://schemas.microsoft.com/office/drawing/2014/main" id="{13418C4B-20E1-904E-F561-9E5087D501B8}"/>
+                <a16:creationId xmlns:a16="http://schemas.microsoft.com/office/drawing/2014/main" xmlns="" id="{13418C4B-20E1-904E-F561-9E5087D501B8}"/>
               </a:ext>
             </a:extLst>
           </p:cNvPr>
@@ -3805,7 +3830,7 @@
           <p:cNvPr id="22" name="Connecteur droit avec flèche 21">
             <a:extLst>
               <a:ext uri="{FF2B5EF4-FFF2-40B4-BE49-F238E27FC236}">
-                <a16:creationId xmlns:a16="http://schemas.microsoft.com/office/drawing/2014/main" id="{C5274D55-B4A7-4867-EDFE-3D5BCA10320C}"/>
+                <a16:creationId xmlns:a16="http://schemas.microsoft.com/office/drawing/2014/main" xmlns="" id="{C5274D55-B4A7-4867-EDFE-3D5BCA10320C}"/>
               </a:ext>
             </a:extLst>
           </p:cNvPr>
@@ -3816,7 +3841,7 @@
         </p:nvCxnSpPr>
         <p:spPr>
           <a:xfrm flipV="1">
-            <a:off x="6168042" y="3034489"/>
+            <a:off x="6151566" y="3042726"/>
             <a:ext cx="1762299" cy="1"/>
           </a:xfrm>
           <a:prstGeom prst="straightConnector1">
@@ -3847,9 +3872,1295 @@
     </p:spTree>
     <p:extLst>
       <p:ext uri="{BB962C8B-B14F-4D97-AF65-F5344CB8AC3E}">
-        <p14:creationId xmlns:p14="http://schemas.microsoft.com/office/powerpoint/2010/main" val="4036291297"/>
+        <p14:creationId xmlns:p14="http://schemas.microsoft.com/office/powerpoint/2010/main" xmlns="" val="4036291297"/>
       </p:ext>
     </p:extLst>
+  </p:cSld>
+  <p:clrMapOvr>
+    <a:masterClrMapping/>
+  </p:clrMapOvr>
+</p:sld>
+</file>
+
+<file path=ppt/slides/slide2.xml><?xml version="1.0" encoding="utf-8"?>
+<p:sld xmlns:a="http://schemas.openxmlformats.org/drawingml/2006/main" xmlns:r="http://schemas.openxmlformats.org/officeDocument/2006/relationships" xmlns:p="http://schemas.openxmlformats.org/presentationml/2006/main">
+  <p:cSld>
+    <p:spTree>
+      <p:nvGrpSpPr>
+        <p:cNvPr id="1" name=""/>
+        <p:cNvGrpSpPr/>
+        <p:nvPr/>
+      </p:nvGrpSpPr>
+      <p:grpSpPr>
+        <a:xfrm>
+          <a:off x="0" y="0"/>
+          <a:ext cx="0" cy="0"/>
+          <a:chOff x="0" y="0"/>
+          <a:chExt cx="0" cy="0"/>
+        </a:xfrm>
+      </p:grpSpPr>
+      <p:sp>
+        <p:nvSpPr>
+          <p:cNvPr id="2" name="Titre 1"/>
+          <p:cNvSpPr>
+            <a:spLocks noGrp="1"/>
+          </p:cNvSpPr>
+          <p:nvPr>
+            <p:ph type="title"/>
+          </p:nvPr>
+        </p:nvSpPr>
+        <p:spPr/>
+        <p:txBody>
+          <a:bodyPr>
+            <a:normAutofit fontScale="90000"/>
+          </a:bodyPr>
+          <a:lstStyle/>
+          <a:p>
+            <a:pPr algn="ctr"/>
+            <a:r>
+              <a:rPr lang="fr-FR" dirty="0" smtClean="0"/>
+              <a:t/>
+            </a:r>
+            <a:br>
+              <a:rPr lang="fr-FR" dirty="0" smtClean="0"/>
+            </a:br>
+            <a:r>
+              <a:rPr lang="fr-FR" dirty="0" smtClean="0"/>
+              <a:t/>
+            </a:r>
+            <a:br>
+              <a:rPr lang="fr-FR" dirty="0" smtClean="0"/>
+            </a:br>
+            <a:r>
+              <a:rPr lang="fr-FR" dirty="0" smtClean="0"/>
+              <a:t>BESOIN :</a:t>
+            </a:r>
+            <a:endParaRPr lang="fr-FR" dirty="0"/>
+          </a:p>
+        </p:txBody>
+      </p:sp>
+      <p:sp>
+        <p:nvSpPr>
+          <p:cNvPr id="3" name="Espace réservé du contenu 2"/>
+          <p:cNvSpPr>
+            <a:spLocks noGrp="1"/>
+          </p:cNvSpPr>
+          <p:nvPr>
+            <p:ph idx="1"/>
+          </p:nvPr>
+        </p:nvSpPr>
+        <p:spPr/>
+        <p:txBody>
+          <a:bodyPr/>
+          <a:lstStyle/>
+          <a:p>
+            <a:pPr algn="ctr">
+              <a:buNone/>
+            </a:pPr>
+            <a:endParaRPr lang="fr-FR" dirty="0" smtClean="0"/>
+          </a:p>
+          <a:p>
+            <a:pPr algn="ctr">
+              <a:buNone/>
+            </a:pPr>
+            <a:endParaRPr lang="fr-FR" dirty="0" smtClean="0"/>
+          </a:p>
+          <a:p>
+            <a:pPr algn="ctr">
+              <a:buNone/>
+            </a:pPr>
+            <a:r>
+              <a:rPr lang="fr-FR" dirty="0" smtClean="0"/>
+              <a:t>Le groupe o</a:t>
+            </a:r>
+            <a:r>
+              <a:rPr lang="fr-FR" dirty="0" smtClean="0">
+                <a:solidFill>
+                  <a:srgbClr val="1F1F1F"/>
+                </a:solidFill>
+                <a:latin typeface="Google Sans"/>
+              </a:rPr>
+              <a:t>ù </a:t>
+            </a:r>
+            <a:r>
+              <a:rPr lang="fr-FR" dirty="0" smtClean="0"/>
+              <a:t>j’ai effectué mon stage voulait recevoir une notification par mail pour chaque membres du groupe IT de BNP PF lorsque le fichier expirera dans 1mois.</a:t>
+            </a:r>
+            <a:endParaRPr lang="fr-FR" dirty="0"/>
+          </a:p>
+        </p:txBody>
+      </p:sp>
+      <p:sp>
+        <p:nvSpPr>
+          <p:cNvPr id="5" name="Espace réservé du contenu 2"/>
+          <p:cNvSpPr txBox="1">
+            <a:spLocks/>
+          </p:cNvSpPr>
+          <p:nvPr/>
+        </p:nvSpPr>
+        <p:spPr>
+          <a:xfrm>
+            <a:off x="908222" y="4803604"/>
+            <a:ext cx="10515600" cy="4351338"/>
+          </a:xfrm>
+          <a:prstGeom prst="rect">
+            <a:avLst/>
+          </a:prstGeom>
+        </p:spPr>
+        <p:txBody>
+          <a:bodyPr vert="horz" lIns="91440" tIns="45720" rIns="91440" bIns="45720" rtlCol="0">
+            <a:normAutofit/>
+          </a:bodyPr>
+          <a:lstStyle/>
+          <a:p>
+            <a:pPr marL="228600" marR="0" lvl="0" indent="-228600" algn="ctr" defTabSz="914400" rtl="0" eaLnBrk="1" fontAlgn="auto" latinLnBrk="0" hangingPunct="1">
+              <a:lnSpc>
+                <a:spcPct val="90000"/>
+              </a:lnSpc>
+              <a:spcBef>
+                <a:spcPts val="1000"/>
+              </a:spcBef>
+              <a:spcAft>
+                <a:spcPts val="0"/>
+              </a:spcAft>
+              <a:buClrTx/>
+              <a:buSzTx/>
+              <a:tabLst/>
+              <a:defRPr/>
+            </a:pPr>
+            <a:endParaRPr kumimoji="0" lang="fr-FR" sz="2800" b="0" i="0" u="none" strike="noStrike" kern="1200" cap="none" spc="0" normalizeH="0" baseline="0" noProof="0" dirty="0">
+              <a:ln>
+                <a:noFill/>
+              </a:ln>
+              <a:solidFill>
+                <a:schemeClr val="tx1"/>
+              </a:solidFill>
+              <a:effectLst/>
+              <a:uLnTx/>
+              <a:uFillTx/>
+              <a:latin typeface="+mn-lt"/>
+              <a:ea typeface="+mn-ea"/>
+              <a:cs typeface="+mn-cs"/>
+            </a:endParaRPr>
+          </a:p>
+        </p:txBody>
+      </p:sp>
+    </p:spTree>
+  </p:cSld>
+  <p:clrMapOvr>
+    <a:masterClrMapping/>
+  </p:clrMapOvr>
+</p:sld>
+</file>
+
+<file path=ppt/slides/slide3.xml><?xml version="1.0" encoding="utf-8"?>
+<p:sld xmlns:a="http://schemas.openxmlformats.org/drawingml/2006/main" xmlns:r="http://schemas.openxmlformats.org/officeDocument/2006/relationships" xmlns:p="http://schemas.openxmlformats.org/presentationml/2006/main">
+  <p:cSld>
+    <p:spTree>
+      <p:nvGrpSpPr>
+        <p:cNvPr id="1" name=""/>
+        <p:cNvGrpSpPr/>
+        <p:nvPr/>
+      </p:nvGrpSpPr>
+      <p:grpSpPr>
+        <a:xfrm>
+          <a:off x="0" y="0"/>
+          <a:ext cx="0" cy="0"/>
+          <a:chOff x="0" y="0"/>
+          <a:chExt cx="0" cy="0"/>
+        </a:xfrm>
+      </p:grpSpPr>
+      <p:sp>
+        <p:nvSpPr>
+          <p:cNvPr id="2" name="Titre 1"/>
+          <p:cNvSpPr>
+            <a:spLocks noGrp="1"/>
+          </p:cNvSpPr>
+          <p:nvPr>
+            <p:ph type="title"/>
+          </p:nvPr>
+        </p:nvSpPr>
+        <p:spPr>
+          <a:xfrm>
+            <a:off x="920579" y="749644"/>
+            <a:ext cx="10515600" cy="5239265"/>
+          </a:xfrm>
+        </p:spPr>
+        <p:txBody>
+          <a:bodyPr>
+            <a:normAutofit/>
+          </a:bodyPr>
+          <a:lstStyle/>
+          <a:p>
+            <a:r>
+              <a:rPr lang="fr-FR" sz="3400" b="1" dirty="0" smtClean="0"/>
+              <a:t>programme qui envoie les fichiers reçus par mail</a:t>
+            </a:r>
+            <a:r>
+              <a:rPr lang="fr-FR" dirty="0" smtClean="0"/>
+              <a:t/>
+            </a:r>
+            <a:br>
+              <a:rPr lang="fr-FR" dirty="0" smtClean="0"/>
+            </a:br>
+            <a:r>
+              <a:rPr lang="fr-FR" dirty="0" smtClean="0"/>
+              <a:t> </a:t>
+            </a:r>
+            <a:br>
+              <a:rPr lang="fr-FR" dirty="0" smtClean="0"/>
+            </a:br>
+            <a:r>
+              <a:rPr lang="fr-FR" sz="3100" dirty="0" smtClean="0"/>
+              <a:t>commande de lancement du programme </a:t>
+            </a:r>
+            <a:r>
+              <a:rPr lang="fr-FR" dirty="0" smtClean="0"/>
+              <a:t>:</a:t>
+            </a:r>
+            <a:br>
+              <a:rPr lang="fr-FR" dirty="0" smtClean="0"/>
+            </a:br>
+            <a:r>
+              <a:rPr lang="fr-FR" dirty="0" smtClean="0"/>
+              <a:t> </a:t>
+            </a:r>
+            <a:br>
+              <a:rPr lang="fr-FR" dirty="0" smtClean="0"/>
+            </a:br>
+            <a:r>
+              <a:rPr lang="fr-FR" sz="3100" dirty="0" err="1" smtClean="0"/>
+              <a:t>sesu</a:t>
+            </a:r>
+            <a:r>
+              <a:rPr lang="fr-FR" sz="3100" dirty="0" smtClean="0"/>
+              <a:t> - </a:t>
+            </a:r>
+            <a:r>
+              <a:rPr lang="fr-FR" sz="3100" dirty="0" err="1" smtClean="0"/>
+              <a:t>pfmgr</a:t>
+            </a:r>
+            <a:r>
+              <a:rPr lang="fr-FR" sz="3100" dirty="0" smtClean="0"/>
+              <a:t/>
+            </a:r>
+            <a:br>
+              <a:rPr lang="fr-FR" sz="3100" dirty="0" smtClean="0"/>
+            </a:br>
+            <a:r>
+              <a:rPr lang="fr-FR" sz="3100" dirty="0" smtClean="0"/>
+              <a:t>cd /home/</a:t>
+            </a:r>
+            <a:r>
+              <a:rPr lang="fr-FR" sz="3100" dirty="0" err="1" smtClean="0"/>
+              <a:t>pfmgr</a:t>
+            </a:r>
+            <a:r>
+              <a:rPr lang="fr-FR" sz="3100" dirty="0" smtClean="0"/>
+              <a:t>/CONTROL_FILES/</a:t>
+            </a:r>
+            <a:r>
+              <a:rPr lang="fr-FR" sz="3100" dirty="0" err="1" smtClean="0"/>
+              <a:t>bin</a:t>
+            </a:r>
+            <a:r>
+              <a:rPr lang="fr-FR" sz="3100" dirty="0" smtClean="0"/>
+              <a:t/>
+            </a:r>
+            <a:br>
+              <a:rPr lang="fr-FR" sz="3100" dirty="0" smtClean="0"/>
+            </a:br>
+            <a:r>
+              <a:rPr lang="fr-FR" sz="3100" dirty="0" err="1" smtClean="0"/>
+              <a:t>nohup</a:t>
+            </a:r>
+            <a:r>
+              <a:rPr lang="fr-FR" sz="3100" dirty="0" smtClean="0"/>
+              <a:t> ./lancepy.ksh &amp;</a:t>
+            </a:r>
+            <a:r>
+              <a:rPr lang="fr-FR" dirty="0" smtClean="0"/>
+              <a:t/>
+            </a:r>
+            <a:br>
+              <a:rPr lang="fr-FR" dirty="0" smtClean="0"/>
+            </a:br>
+            <a:endParaRPr lang="fr-FR" dirty="0"/>
+          </a:p>
+        </p:txBody>
+      </p:sp>
+    </p:spTree>
+  </p:cSld>
+  <p:clrMapOvr>
+    <a:masterClrMapping/>
+  </p:clrMapOvr>
+</p:sld>
+</file>
+
+<file path=ppt/slides/slide4.xml><?xml version="1.0" encoding="utf-8"?>
+<p:sld xmlns:a="http://schemas.openxmlformats.org/drawingml/2006/main" xmlns:r="http://schemas.openxmlformats.org/officeDocument/2006/relationships" xmlns:p="http://schemas.openxmlformats.org/presentationml/2006/main">
+  <p:cSld>
+    <p:spTree>
+      <p:nvGrpSpPr>
+        <p:cNvPr id="1" name=""/>
+        <p:cNvGrpSpPr/>
+        <p:nvPr/>
+      </p:nvGrpSpPr>
+      <p:grpSpPr>
+        <a:xfrm>
+          <a:off x="0" y="0"/>
+          <a:ext cx="0" cy="0"/>
+          <a:chOff x="0" y="0"/>
+          <a:chExt cx="0" cy="0"/>
+        </a:xfrm>
+      </p:grpSpPr>
+      <p:sp>
+        <p:nvSpPr>
+          <p:cNvPr id="4" name="ZoneTexte 3"/>
+          <p:cNvSpPr txBox="1"/>
+          <p:nvPr/>
+        </p:nvSpPr>
+        <p:spPr>
+          <a:xfrm>
+            <a:off x="1301578" y="766119"/>
+            <a:ext cx="8270790" cy="369332"/>
+          </a:xfrm>
+          <a:prstGeom prst="rect">
+            <a:avLst/>
+          </a:prstGeom>
+          <a:noFill/>
+        </p:spPr>
+        <p:txBody>
+          <a:bodyPr wrap="square" rtlCol="0">
+            <a:spAutoFit/>
+          </a:bodyPr>
+          <a:lstStyle/>
+          <a:p>
+            <a:endParaRPr lang="fr-FR" dirty="0"/>
+          </a:p>
+        </p:txBody>
+      </p:sp>
+      <p:sp>
+        <p:nvSpPr>
+          <p:cNvPr id="5" name="Rectangle 4"/>
+          <p:cNvSpPr/>
+          <p:nvPr/>
+        </p:nvSpPr>
+        <p:spPr>
+          <a:xfrm>
+            <a:off x="3048000" y="1028343"/>
+            <a:ext cx="6096000" cy="4801314"/>
+          </a:xfrm>
+          <a:prstGeom prst="rect">
+            <a:avLst/>
+          </a:prstGeom>
+        </p:spPr>
+        <p:txBody>
+          <a:bodyPr>
+            <a:spAutoFit/>
+          </a:bodyPr>
+          <a:lstStyle/>
+          <a:p>
+            <a:r>
+              <a:rPr lang="fr-FR" dirty="0" smtClean="0"/>
+              <a:t>afficher la date sur linux = date</a:t>
+            </a:r>
+          </a:p>
+          <a:p>
+            <a:r>
+              <a:rPr lang="fr-FR" dirty="0" smtClean="0"/>
+              <a:t/>
+            </a:r>
+            <a:br>
+              <a:rPr lang="fr-FR" dirty="0" smtClean="0"/>
+            </a:br>
+            <a:r>
+              <a:rPr lang="fr-FR" dirty="0" smtClean="0"/>
+              <a:t>date-expiration = 2024/02/18</a:t>
+            </a:r>
+          </a:p>
+          <a:p>
+            <a:r>
+              <a:rPr lang="fr-FR" dirty="0" smtClean="0"/>
+              <a:t>date-actuel = 2024/01/22</a:t>
+            </a:r>
+          </a:p>
+          <a:p>
+            <a:r>
+              <a:rPr lang="fr-FR" dirty="0" smtClean="0"/>
+              <a:t/>
+            </a:r>
+            <a:br>
+              <a:rPr lang="fr-FR" dirty="0" smtClean="0"/>
+            </a:br>
+            <a:r>
+              <a:rPr lang="fr-FR" dirty="0" smtClean="0"/>
+              <a:t> </a:t>
+            </a:r>
+          </a:p>
+          <a:p>
+            <a:r>
+              <a:rPr lang="fr-FR" dirty="0" smtClean="0"/>
+              <a:t/>
+            </a:r>
+            <a:br>
+              <a:rPr lang="fr-FR" dirty="0" smtClean="0"/>
+            </a:br>
+            <a:r>
+              <a:rPr lang="fr-FR" dirty="0" smtClean="0"/>
+              <a:t>EEEE/BB/AA</a:t>
+            </a:r>
+          </a:p>
+          <a:p>
+            <a:r>
+              <a:rPr lang="fr-FR" dirty="0" smtClean="0"/>
+              <a:t>AA max 30 puis AA reviens a 1</a:t>
+            </a:r>
+          </a:p>
+          <a:p>
+            <a:r>
+              <a:rPr lang="fr-FR" dirty="0" smtClean="0"/>
+              <a:t>BB max 12 puis BB reviens a 1</a:t>
+            </a:r>
+          </a:p>
+          <a:p>
+            <a:r>
+              <a:rPr lang="fr-FR" dirty="0" smtClean="0"/>
+              <a:t>EEEE +1 chaque fois que BB et AA passe a 1</a:t>
+            </a:r>
+          </a:p>
+          <a:p>
+            <a:r>
+              <a:rPr lang="fr-FR" dirty="0" smtClean="0"/>
+              <a:t/>
+            </a:r>
+            <a:br>
+              <a:rPr lang="fr-FR" dirty="0" smtClean="0"/>
+            </a:br>
+            <a:r>
+              <a:rPr lang="fr-FR" dirty="0" smtClean="0"/>
+              <a:t>si date-expiration - date-actuel &gt;= 30</a:t>
+            </a:r>
+          </a:p>
+          <a:p>
+            <a:r>
+              <a:rPr lang="fr-FR" dirty="0" smtClean="0"/>
+              <a:t>    alors envoyer " Il vous reste 1 mois avant que la </a:t>
+            </a:r>
+            <a:r>
+              <a:rPr lang="fr-FR" dirty="0" err="1" smtClean="0"/>
+              <a:t>clée</a:t>
+            </a:r>
+            <a:r>
+              <a:rPr lang="fr-FR" dirty="0" smtClean="0"/>
+              <a:t> expire "</a:t>
+            </a:r>
+          </a:p>
+          <a:p>
+            <a:r>
+              <a:rPr lang="fr-FR" dirty="0" smtClean="0"/>
+              <a:t>sinon</a:t>
+            </a:r>
+          </a:p>
+          <a:p>
+            <a:r>
+              <a:rPr lang="fr-FR" dirty="0" smtClean="0"/>
+              <a:t>    rien faire</a:t>
+            </a:r>
+            <a:endParaRPr lang="fr-FR" dirty="0"/>
+          </a:p>
+        </p:txBody>
+      </p:sp>
+    </p:spTree>
+  </p:cSld>
+  <p:clrMapOvr>
+    <a:masterClrMapping/>
+  </p:clrMapOvr>
+</p:sld>
+</file>
+
+<file path=ppt/slides/slide5.xml><?xml version="1.0" encoding="utf-8"?>
+<p:sld xmlns:a="http://schemas.openxmlformats.org/drawingml/2006/main" xmlns:r="http://schemas.openxmlformats.org/officeDocument/2006/relationships" xmlns:p="http://schemas.openxmlformats.org/presentationml/2006/main">
+  <p:cSld>
+    <p:spTree>
+      <p:nvGrpSpPr>
+        <p:cNvPr id="1" name=""/>
+        <p:cNvGrpSpPr/>
+        <p:nvPr/>
+      </p:nvGrpSpPr>
+      <p:grpSpPr>
+        <a:xfrm>
+          <a:off x="0" y="0"/>
+          <a:ext cx="0" cy="0"/>
+          <a:chOff x="0" y="0"/>
+          <a:chExt cx="0" cy="0"/>
+        </a:xfrm>
+      </p:grpSpPr>
+      <p:sp>
+        <p:nvSpPr>
+          <p:cNvPr id="5" name="Rectangle 4"/>
+          <p:cNvSpPr/>
+          <p:nvPr/>
+        </p:nvSpPr>
+        <p:spPr>
+          <a:xfrm>
+            <a:off x="0" y="0"/>
+            <a:ext cx="6046573" cy="6740307"/>
+          </a:xfrm>
+          <a:prstGeom prst="rect">
+            <a:avLst/>
+          </a:prstGeom>
+        </p:spPr>
+        <p:txBody>
+          <a:bodyPr wrap="square">
+            <a:spAutoFit/>
+          </a:bodyPr>
+          <a:lstStyle/>
+          <a:p>
+            <a:r>
+              <a:rPr lang="en-US" dirty="0" smtClean="0"/>
+              <a:t>Script//</a:t>
+            </a:r>
+          </a:p>
+          <a:p>
+            <a:r>
+              <a:rPr lang="en-US" dirty="0" smtClean="0"/>
+              <a:t/>
+            </a:r>
+            <a:br>
+              <a:rPr lang="en-US" dirty="0" smtClean="0"/>
+            </a:br>
+            <a:r>
+              <a:rPr lang="en-US" dirty="0" smtClean="0"/>
+              <a:t>#! /bin/bash</a:t>
+            </a:r>
+          </a:p>
+          <a:p>
+            <a:r>
+              <a:rPr lang="en-US" dirty="0" smtClean="0"/>
+              <a:t/>
+            </a:r>
+            <a:br>
+              <a:rPr lang="en-US" dirty="0" smtClean="0"/>
+            </a:br>
+            <a:r>
+              <a:rPr lang="en-US" dirty="0" smtClean="0"/>
+              <a:t>$%m =[1, 2, 3, 4, 5, 6, 7, 8, 9, 10, 11, 12]</a:t>
+            </a:r>
+          </a:p>
+          <a:p>
+            <a:r>
+              <a:rPr lang="en-US" dirty="0" smtClean="0"/>
+              <a:t/>
+            </a:r>
+            <a:br>
+              <a:rPr lang="en-US" dirty="0" smtClean="0"/>
+            </a:br>
+            <a:r>
+              <a:rPr lang="en-US" dirty="0" smtClean="0"/>
+              <a:t/>
+            </a:r>
+            <a:br>
+              <a:rPr lang="en-US" dirty="0" smtClean="0"/>
+            </a:br>
+            <a:r>
+              <a:rPr lang="en-US" dirty="0" smtClean="0"/>
+              <a:t>$ date-</a:t>
+            </a:r>
+            <a:r>
+              <a:rPr lang="en-US" dirty="0" err="1" smtClean="0"/>
+              <a:t>actuel</a:t>
+            </a:r>
+            <a:r>
+              <a:rPr lang="en-US" dirty="0" smtClean="0"/>
+              <a:t> = $(date +"%m-%d-%Y")</a:t>
+            </a:r>
+          </a:p>
+          <a:p>
+            <a:r>
+              <a:rPr lang="en-US" dirty="0" smtClean="0"/>
+              <a:t/>
+            </a:r>
+            <a:br>
+              <a:rPr lang="en-US" dirty="0" smtClean="0"/>
+            </a:br>
+            <a:r>
+              <a:rPr lang="en-US" dirty="0" smtClean="0"/>
+              <a:t>$ echo $</a:t>
+            </a:r>
+            <a:r>
+              <a:rPr lang="en-US" dirty="0" err="1" smtClean="0"/>
+              <a:t>cdate</a:t>
+            </a:r>
+            <a:endParaRPr lang="en-US" dirty="0" smtClean="0"/>
+          </a:p>
+          <a:p>
+            <a:r>
+              <a:rPr lang="en-US" dirty="0" smtClean="0"/>
+              <a:t/>
+            </a:r>
+            <a:br>
+              <a:rPr lang="en-US" dirty="0" smtClean="0"/>
+            </a:br>
+            <a:r>
+              <a:rPr lang="en-US" dirty="0" smtClean="0"/>
+              <a:t>RUNAT="10:00</a:t>
+            </a:r>
+            <a:r>
+              <a:rPr lang="en-US" dirty="0" smtClean="0"/>
+              <a:t>"</a:t>
+            </a:r>
+            <a:r>
+              <a:rPr lang="en-US" dirty="0" smtClean="0"/>
+              <a:t/>
+            </a:r>
+            <a:br>
+              <a:rPr lang="en-US" dirty="0" smtClean="0"/>
+            </a:br>
+            <a:r>
+              <a:rPr lang="en-US" dirty="0" smtClean="0"/>
+              <a:t/>
+            </a:r>
+            <a:br>
+              <a:rPr lang="en-US" dirty="0" smtClean="0"/>
+            </a:br>
+            <a:r>
+              <a:rPr lang="en-US" dirty="0" smtClean="0"/>
+              <a:t>while [ $%m==30 ]</a:t>
+            </a:r>
+          </a:p>
+          <a:p>
+            <a:r>
+              <a:rPr lang="en-US" dirty="0" smtClean="0"/>
+              <a:t>do</a:t>
+            </a:r>
+          </a:p>
+          <a:p>
+            <a:r>
+              <a:rPr lang="en-US" dirty="0" smtClean="0"/>
+              <a:t/>
+            </a:r>
+            <a:br>
+              <a:rPr lang="en-US" dirty="0" smtClean="0"/>
+            </a:br>
+            <a:r>
+              <a:rPr lang="en-US" dirty="0" smtClean="0"/>
+              <a:t>    DATE=`/bin/date +%Y-%m-%d`</a:t>
+            </a:r>
+          </a:p>
+          <a:p>
+            <a:r>
+              <a:rPr lang="en-US" dirty="0" smtClean="0"/>
+              <a:t>    if [ $DATE. = $RUNAT. ]</a:t>
+            </a:r>
+          </a:p>
+          <a:p>
+            <a:r>
+              <a:rPr lang="en-US" dirty="0" smtClean="0"/>
+              <a:t>    then</a:t>
+            </a:r>
+          </a:p>
+          <a:p>
+            <a:r>
+              <a:rPr lang="en-US" dirty="0" smtClean="0"/>
+              <a:t>        /path/to/script.sh</a:t>
+            </a:r>
+          </a:p>
+          <a:p>
+            <a:r>
+              <a:rPr lang="en-US" dirty="0" smtClean="0"/>
+              <a:t>    </a:t>
+            </a:r>
+            <a:r>
+              <a:rPr lang="en-US" dirty="0" err="1" smtClean="0"/>
+              <a:t>fi</a:t>
+            </a:r>
+            <a:endParaRPr lang="en-US" dirty="0" smtClean="0"/>
+          </a:p>
+          <a:p>
+            <a:r>
+              <a:rPr lang="en-US" dirty="0" smtClean="0"/>
+              <a:t/>
+            </a:r>
+            <a:br>
+              <a:rPr lang="en-US" dirty="0" smtClean="0"/>
+            </a:br>
+            <a:r>
+              <a:rPr lang="en-US" dirty="0" smtClean="0"/>
+              <a:t>    sleep 60</a:t>
+            </a:r>
+          </a:p>
+          <a:p>
+            <a:r>
+              <a:rPr lang="en-US" dirty="0" smtClean="0"/>
+              <a:t>done</a:t>
+            </a:r>
+            <a:endParaRPr lang="en-US" dirty="0"/>
+          </a:p>
+        </p:txBody>
+      </p:sp>
+      <p:sp>
+        <p:nvSpPr>
+          <p:cNvPr id="7" name="Rectangle 6"/>
+          <p:cNvSpPr/>
+          <p:nvPr/>
+        </p:nvSpPr>
+        <p:spPr>
+          <a:xfrm>
+            <a:off x="5745248" y="1176668"/>
+            <a:ext cx="6096000" cy="4524315"/>
+          </a:xfrm>
+          <a:prstGeom prst="rect">
+            <a:avLst/>
+          </a:prstGeom>
+        </p:spPr>
+        <p:txBody>
+          <a:bodyPr>
+            <a:spAutoFit/>
+          </a:bodyPr>
+          <a:lstStyle/>
+          <a:p>
+            <a:r>
+              <a:rPr lang="en-US" dirty="0" smtClean="0"/>
+              <a:t>while [ 2 ]</a:t>
+            </a:r>
+          </a:p>
+          <a:p>
+            <a:r>
+              <a:rPr lang="en-US" dirty="0" smtClean="0"/>
+              <a:t>do</a:t>
+            </a:r>
+          </a:p>
+          <a:p>
+            <a:r>
+              <a:rPr lang="en-US" dirty="0" smtClean="0"/>
+              <a:t>    DATE= `/bin/date +%Y-%m-%d`</a:t>
+            </a:r>
+          </a:p>
+          <a:p>
+            <a:r>
+              <a:rPr lang="en-US" dirty="0" smtClean="0"/>
+              <a:t>done</a:t>
+            </a:r>
+          </a:p>
+          <a:p>
+            <a:r>
+              <a:rPr lang="en-US" dirty="0" smtClean="0"/>
+              <a:t/>
+            </a:r>
+            <a:br>
+              <a:rPr lang="en-US" dirty="0" smtClean="0"/>
+            </a:br>
+            <a:r>
+              <a:rPr lang="en-US" dirty="0" smtClean="0"/>
+              <a:t> </a:t>
+            </a:r>
+          </a:p>
+          <a:p>
+            <a:r>
+              <a:rPr lang="en-US" dirty="0" smtClean="0"/>
+              <a:t/>
+            </a:r>
+            <a:br>
+              <a:rPr lang="en-US" dirty="0" smtClean="0"/>
+            </a:br>
+            <a:r>
+              <a:rPr lang="en-US" dirty="0" smtClean="0"/>
+              <a:t>if date-expiration - date-</a:t>
+            </a:r>
+            <a:r>
+              <a:rPr lang="en-US" dirty="0" err="1" smtClean="0"/>
+              <a:t>actuel</a:t>
+            </a:r>
+            <a:r>
+              <a:rPr lang="en-US" dirty="0" smtClean="0"/>
+              <a:t> &gt;= 30 then</a:t>
+            </a:r>
+          </a:p>
+          <a:p>
+            <a:r>
+              <a:rPr lang="en-US" dirty="0" smtClean="0"/>
+              <a:t>    echo "Memory usage is above threshold: $memory" | mail -s "La </a:t>
+            </a:r>
+            <a:r>
+              <a:rPr lang="en-US" dirty="0" err="1" smtClean="0"/>
+              <a:t>clé</a:t>
+            </a:r>
+            <a:r>
+              <a:rPr lang="en-US" dirty="0" smtClean="0"/>
+              <a:t> </a:t>
+            </a:r>
+            <a:r>
+              <a:rPr lang="en-US" dirty="0" err="1" smtClean="0"/>
+              <a:t>va</a:t>
+            </a:r>
+            <a:r>
+              <a:rPr lang="en-US" dirty="0" smtClean="0"/>
+              <a:t> </a:t>
+            </a:r>
+            <a:r>
+              <a:rPr lang="en-US" dirty="0" err="1" smtClean="0"/>
+              <a:t>bientot</a:t>
+            </a:r>
+            <a:r>
+              <a:rPr lang="en-US" dirty="0" smtClean="0"/>
+              <a:t> expirer" zina.boudjemaa@bnpparibas-pf.com</a:t>
+            </a:r>
+          </a:p>
+          <a:p>
+            <a:r>
+              <a:rPr lang="en-US" dirty="0" smtClean="0"/>
+              <a:t/>
+            </a:r>
+            <a:br>
+              <a:rPr lang="en-US" dirty="0" smtClean="0"/>
+            </a:br>
+            <a:r>
+              <a:rPr lang="en-US" dirty="0" smtClean="0"/>
+              <a:t/>
+            </a:r>
+            <a:br>
+              <a:rPr lang="en-US" dirty="0" smtClean="0"/>
+            </a:br>
+            <a:r>
+              <a:rPr lang="en-US" dirty="0" smtClean="0"/>
+              <a:t/>
+            </a:r>
+            <a:br>
+              <a:rPr lang="en-US" dirty="0" smtClean="0"/>
+            </a:br>
+            <a:r>
+              <a:rPr lang="en-US" dirty="0" smtClean="0"/>
+              <a:t/>
+            </a:r>
+            <a:br>
+              <a:rPr lang="en-US" dirty="0" smtClean="0"/>
+            </a:br>
+            <a:endParaRPr lang="en-US" dirty="0"/>
+          </a:p>
+        </p:txBody>
+      </p:sp>
+    </p:spTree>
+  </p:cSld>
+  <p:clrMapOvr>
+    <a:masterClrMapping/>
+  </p:clrMapOvr>
+</p:sld>
+</file>
+
+<file path=ppt/slides/slide6.xml><?xml version="1.0" encoding="utf-8"?>
+<p:sld xmlns:a="http://schemas.openxmlformats.org/drawingml/2006/main" xmlns:r="http://schemas.openxmlformats.org/officeDocument/2006/relationships" xmlns:p="http://schemas.openxmlformats.org/presentationml/2006/main">
+  <p:cSld>
+    <p:spTree>
+      <p:nvGrpSpPr>
+        <p:cNvPr id="1" name=""/>
+        <p:cNvGrpSpPr/>
+        <p:nvPr/>
+      </p:nvGrpSpPr>
+      <p:grpSpPr>
+        <a:xfrm>
+          <a:off x="0" y="0"/>
+          <a:ext cx="0" cy="0"/>
+          <a:chOff x="0" y="0"/>
+          <a:chExt cx="0" cy="0"/>
+        </a:xfrm>
+      </p:grpSpPr>
+      <p:sp>
+        <p:nvSpPr>
+          <p:cNvPr id="4" name="Rectangle 3"/>
+          <p:cNvSpPr/>
+          <p:nvPr/>
+        </p:nvSpPr>
+        <p:spPr>
+          <a:xfrm>
+            <a:off x="0" y="-2157144"/>
+            <a:ext cx="12191999" cy="8956298"/>
+          </a:xfrm>
+          <a:prstGeom prst="rect">
+            <a:avLst/>
+          </a:prstGeom>
+        </p:spPr>
+        <p:txBody>
+          <a:bodyPr wrap="square">
+            <a:spAutoFit/>
+          </a:bodyPr>
+          <a:lstStyle/>
+          <a:p>
+            <a:r>
+              <a:rPr lang="fr-FR" dirty="0" smtClean="0"/>
+              <a:t>#Script 2//</a:t>
+            </a:r>
+          </a:p>
+          <a:p>
+            <a:r>
+              <a:rPr lang="fr-FR" dirty="0" smtClean="0"/>
+              <a:t/>
+            </a:r>
+            <a:br>
+              <a:rPr lang="fr-FR" dirty="0" smtClean="0"/>
+            </a:br>
+            <a:r>
+              <a:rPr lang="fr-FR" dirty="0" smtClean="0"/>
+              <a:t/>
+            </a:r>
+            <a:br>
+              <a:rPr lang="fr-FR" dirty="0" smtClean="0"/>
+            </a:br>
+            <a:r>
+              <a:rPr lang="fr-FR" dirty="0" smtClean="0"/>
+              <a:t>$%m =[1, 2, 3, 4, 5, 6, 7, 8, 9, 10, 11, 12]</a:t>
+            </a:r>
+          </a:p>
+          <a:p>
+            <a:r>
+              <a:rPr lang="fr-FR" dirty="0" smtClean="0"/>
+              <a:t/>
+            </a:r>
+            <a:br>
+              <a:rPr lang="fr-FR" dirty="0" smtClean="0"/>
+            </a:br>
+            <a:r>
+              <a:rPr lang="fr-FR" dirty="0" smtClean="0"/>
+              <a:t> </a:t>
+            </a:r>
+          </a:p>
+          <a:p>
+            <a:r>
+              <a:rPr lang="fr-FR" dirty="0" smtClean="0"/>
+              <a:t>$</a:t>
+            </a:r>
+            <a:r>
+              <a:rPr lang="fr-FR" dirty="0" err="1" smtClean="0"/>
+              <a:t>date_actuel</a:t>
+            </a:r>
+            <a:r>
+              <a:rPr lang="fr-FR" dirty="0" smtClean="0"/>
+              <a:t> = $(date +"%m-%d-%Y")</a:t>
+            </a:r>
+          </a:p>
+          <a:p>
+            <a:r>
+              <a:rPr lang="fr-FR" dirty="0" smtClean="0"/>
+              <a:t>$ </a:t>
+            </a:r>
+            <a:r>
+              <a:rPr lang="fr-FR" dirty="0" err="1" smtClean="0"/>
+              <a:t>echo</a:t>
+            </a:r>
+            <a:r>
+              <a:rPr lang="fr-FR" dirty="0" smtClean="0"/>
+              <a:t> $</a:t>
+            </a:r>
+            <a:r>
+              <a:rPr lang="fr-FR" dirty="0" err="1" smtClean="0"/>
+              <a:t>cdate</a:t>
+            </a:r>
+            <a:endParaRPr lang="fr-FR" dirty="0" smtClean="0"/>
+          </a:p>
+          <a:p>
+            <a:r>
+              <a:rPr lang="fr-FR" dirty="0" smtClean="0"/>
+              <a:t/>
+            </a:r>
+            <a:br>
+              <a:rPr lang="fr-FR" dirty="0" smtClean="0"/>
+            </a:br>
+            <a:r>
+              <a:rPr lang="fr-FR" dirty="0" smtClean="0"/>
+              <a:t> </a:t>
+            </a:r>
+          </a:p>
+          <a:p>
+            <a:r>
+              <a:rPr lang="fr-FR" dirty="0" smtClean="0"/>
+              <a:t/>
+            </a:r>
+            <a:br>
+              <a:rPr lang="fr-FR" dirty="0" smtClean="0"/>
+            </a:br>
+            <a:r>
+              <a:rPr lang="fr-FR" dirty="0" smtClean="0"/>
+              <a:t>if [$</a:t>
+            </a:r>
+            <a:r>
+              <a:rPr lang="fr-FR" dirty="0" err="1" smtClean="0"/>
+              <a:t>date_actuel</a:t>
+            </a:r>
+            <a:r>
+              <a:rPr lang="fr-FR" dirty="0" smtClean="0"/>
+              <a:t> - $</a:t>
+            </a:r>
+            <a:r>
+              <a:rPr lang="fr-FR" dirty="0" err="1" smtClean="0"/>
+              <a:t>date_expiration</a:t>
+            </a:r>
+            <a:r>
+              <a:rPr lang="fr-FR" dirty="0" smtClean="0"/>
+              <a:t> &lt; 1]</a:t>
+            </a:r>
+          </a:p>
+          <a:p>
+            <a:r>
+              <a:rPr lang="fr-FR" dirty="0" err="1" smtClean="0"/>
+              <a:t>then</a:t>
+            </a:r>
+            <a:r>
+              <a:rPr lang="fr-FR" dirty="0" smtClean="0"/>
+              <a:t>  </a:t>
+            </a:r>
+          </a:p>
+          <a:p>
+            <a:r>
+              <a:rPr lang="fr-FR" dirty="0" smtClean="0"/>
+              <a:t>    source C:\Users\f56628\Downloads\stage2\CONTROL_FILES\bin\logverifPY.ksh</a:t>
+            </a:r>
+          </a:p>
+          <a:p>
+            <a:r>
+              <a:rPr lang="fr-FR" dirty="0" smtClean="0"/>
+              <a:t>    </a:t>
+            </a:r>
+            <a:r>
+              <a:rPr lang="fr-FR" dirty="0" err="1" smtClean="0"/>
+              <a:t>echo</a:t>
+            </a:r>
+            <a:r>
+              <a:rPr lang="fr-FR" dirty="0" smtClean="0"/>
+              <a:t> "La clé va </a:t>
+            </a:r>
+            <a:r>
+              <a:rPr lang="fr-FR" dirty="0" err="1" smtClean="0"/>
+              <a:t>bientot</a:t>
+            </a:r>
+            <a:r>
+              <a:rPr lang="fr-FR" dirty="0" smtClean="0"/>
+              <a:t> expiré" | </a:t>
+            </a:r>
+            <a:r>
+              <a:rPr lang="fr-FR" dirty="0" err="1" smtClean="0"/>
+              <a:t>bash</a:t>
+            </a:r>
+            <a:r>
+              <a:rPr lang="fr-FR" dirty="0" smtClean="0"/>
+              <a:t> /applis/</a:t>
+            </a:r>
+            <a:r>
+              <a:rPr lang="fr-FR" dirty="0" err="1" smtClean="0"/>
+              <a:t>shared</a:t>
+            </a:r>
+            <a:r>
+              <a:rPr lang="fr-FR" dirty="0" smtClean="0"/>
+              <a:t>/</a:t>
+            </a:r>
+            <a:r>
+              <a:rPr lang="fr-FR" dirty="0" err="1" smtClean="0"/>
+              <a:t>bin</a:t>
+            </a:r>
+            <a:r>
+              <a:rPr lang="fr-FR" dirty="0" smtClean="0"/>
+              <a:t>/mailxpf.sh --</a:t>
+            </a:r>
+            <a:r>
+              <a:rPr lang="fr-FR" dirty="0" err="1" smtClean="0"/>
+              <a:t>starttls</a:t>
+            </a:r>
+            <a:r>
+              <a:rPr lang="fr-FR" dirty="0" smtClean="0"/>
+              <a:t> --</a:t>
+            </a:r>
+            <a:r>
+              <a:rPr lang="fr-FR" dirty="0" err="1" smtClean="0"/>
+              <a:t>netrcFile</a:t>
+            </a:r>
+            <a:r>
+              <a:rPr lang="fr-FR" dirty="0" smtClean="0"/>
+              <a:t> /home/</a:t>
+            </a:r>
+            <a:r>
+              <a:rPr lang="fr-FR" dirty="0" err="1" smtClean="0"/>
+              <a:t>pfmgr</a:t>
+            </a:r>
+            <a:r>
+              <a:rPr lang="fr-FR" dirty="0" smtClean="0"/>
+              <a:t>/</a:t>
+            </a:r>
+            <a:r>
+              <a:rPr lang="fr-FR" dirty="0" err="1" smtClean="0"/>
+              <a:t>netrc</a:t>
+            </a:r>
+            <a:r>
+              <a:rPr lang="fr-FR" dirty="0" smtClean="0"/>
+              <a:t> --</a:t>
+            </a:r>
+            <a:r>
+              <a:rPr lang="fr-FR" dirty="0" err="1" smtClean="0"/>
+              <a:t>from</a:t>
+            </a:r>
+            <a:r>
+              <a:rPr lang="fr-FR" dirty="0" smtClean="0"/>
+              <a:t> ema.pf.dhfc-rundatait@bnpparibas.com --</a:t>
+            </a:r>
+            <a:r>
+              <a:rPr lang="fr-FR" dirty="0" err="1" smtClean="0"/>
+              <a:t>subject</a:t>
+            </a:r>
+            <a:r>
+              <a:rPr lang="fr-FR" dirty="0" smtClean="0"/>
+              <a:t> "hello" --to sebastien.pot@bnpparibas-pf.com --</a:t>
+            </a:r>
+            <a:r>
+              <a:rPr lang="fr-FR" dirty="0" err="1" smtClean="0"/>
+              <a:t>timeoutConnect</a:t>
+            </a:r>
+            <a:r>
+              <a:rPr lang="fr-FR" dirty="0" smtClean="0"/>
+              <a:t> 21 --</a:t>
+            </a:r>
+            <a:r>
+              <a:rPr lang="fr-FR" dirty="0" err="1" smtClean="0"/>
+              <a:t>collectorName</a:t>
+            </a:r>
+            <a:r>
+              <a:rPr lang="fr-FR" dirty="0" smtClean="0"/>
+              <a:t> "smtp-appli-ema.group.echonet.net.intra" --</a:t>
+            </a:r>
+            <a:r>
+              <a:rPr lang="fr-FR" dirty="0" err="1" smtClean="0"/>
+              <a:t>collectorPort</a:t>
+            </a:r>
+            <a:r>
+              <a:rPr lang="fr-FR" dirty="0" smtClean="0"/>
+              <a:t> 25 --</a:t>
+            </a:r>
+            <a:r>
+              <a:rPr lang="fr-FR" dirty="0" err="1" smtClean="0"/>
+              <a:t>mimeType</a:t>
+            </a:r>
+            <a:r>
+              <a:rPr lang="fr-FR" dirty="0" smtClean="0"/>
+              <a:t> HTML --data -   #lancement de script loverifPY.ksh pour envoie du mail</a:t>
+            </a:r>
+          </a:p>
+          <a:p>
+            <a:r>
+              <a:rPr lang="fr-FR" dirty="0" smtClean="0"/>
+              <a:t>fi</a:t>
+            </a:r>
+          </a:p>
+          <a:p>
+            <a:r>
+              <a:rPr lang="fr-FR" dirty="0" smtClean="0"/>
+              <a:t/>
+            </a:r>
+            <a:br>
+              <a:rPr lang="fr-FR" dirty="0" smtClean="0"/>
+            </a:br>
+            <a:r>
+              <a:rPr lang="fr-FR" dirty="0" smtClean="0"/>
+              <a:t> </a:t>
+            </a:r>
+          </a:p>
+          <a:p>
+            <a:r>
+              <a:rPr lang="fr-FR" dirty="0" smtClean="0"/>
+              <a:t/>
+            </a:r>
+            <a:br>
+              <a:rPr lang="fr-FR" dirty="0" smtClean="0"/>
+            </a:br>
+            <a:r>
+              <a:rPr lang="fr-FR" dirty="0" err="1" smtClean="0"/>
+              <a:t>while</a:t>
+            </a:r>
+            <a:r>
+              <a:rPr lang="fr-FR" dirty="0" smtClean="0"/>
+              <a:t> [ $m=[] ]</a:t>
+            </a:r>
+          </a:p>
+          <a:p>
+            <a:r>
+              <a:rPr lang="fr-FR" dirty="0" smtClean="0"/>
+              <a:t>do</a:t>
+            </a:r>
+          </a:p>
+          <a:p>
+            <a:r>
+              <a:rPr lang="fr-FR" dirty="0" smtClean="0"/>
+              <a:t>    DATE=`/</a:t>
+            </a:r>
+            <a:r>
+              <a:rPr lang="fr-FR" dirty="0" err="1" smtClean="0"/>
+              <a:t>bin</a:t>
+            </a:r>
+            <a:r>
+              <a:rPr lang="fr-FR" dirty="0" smtClean="0"/>
+              <a:t>/date +%Y-%m-%d`</a:t>
+            </a:r>
+          </a:p>
+          <a:p>
+            <a:r>
+              <a:rPr lang="fr-FR" dirty="0" smtClean="0"/>
+              <a:t>    if [ $DATE. = $RUNAT. ]</a:t>
+            </a:r>
+          </a:p>
+          <a:p>
+            <a:r>
+              <a:rPr lang="fr-FR" dirty="0" smtClean="0"/>
+              <a:t>    </a:t>
+            </a:r>
+            <a:r>
+              <a:rPr lang="fr-FR" dirty="0" err="1" smtClean="0"/>
+              <a:t>then</a:t>
+            </a:r>
+            <a:endParaRPr lang="fr-FR" dirty="0" smtClean="0"/>
+          </a:p>
+          <a:p>
+            <a:r>
+              <a:rPr lang="fr-FR" dirty="0" smtClean="0"/>
+              <a:t>        source C:\Users\f56628\Downloads\stage2\CONTROL_FILES\bin\logverifPY.ksh</a:t>
+            </a:r>
+          </a:p>
+          <a:p>
+            <a:r>
+              <a:rPr lang="fr-FR" dirty="0" smtClean="0"/>
+              <a:t>        </a:t>
+            </a:r>
+            <a:r>
+              <a:rPr lang="fr-FR" dirty="0" err="1" smtClean="0"/>
+              <a:t>sourcek</a:t>
+            </a:r>
+            <a:endParaRPr lang="fr-FR" dirty="0" smtClean="0"/>
+          </a:p>
+          <a:p>
+            <a:r>
+              <a:rPr lang="fr-FR" dirty="0" smtClean="0"/>
+              <a:t>    fi</a:t>
+            </a:r>
+          </a:p>
+          <a:p>
+            <a:r>
+              <a:rPr lang="fr-FR" dirty="0" smtClean="0"/>
+              <a:t>    </a:t>
+            </a:r>
+            <a:r>
+              <a:rPr lang="fr-FR" dirty="0" err="1" smtClean="0"/>
+              <a:t>sleep</a:t>
+            </a:r>
+            <a:r>
+              <a:rPr lang="fr-FR" dirty="0" smtClean="0"/>
+              <a:t> 60</a:t>
+            </a:r>
+          </a:p>
+          <a:p>
+            <a:r>
+              <a:rPr lang="fr-FR" dirty="0" err="1" smtClean="0"/>
+              <a:t>done</a:t>
+            </a:r>
+            <a:endParaRPr lang="fr-FR" dirty="0"/>
+          </a:p>
+        </p:txBody>
+      </p:sp>
+    </p:spTree>
   </p:cSld>
   <p:clrMapOvr>
     <a:masterClrMapping/>
@@ -3900,7 +5211,7 @@
     </a:clrScheme>
     <a:fontScheme name="Office">
       <a:majorFont>
-        <a:latin typeface="Aptos Display" panose="02110004020202020204"/>
+        <a:latin typeface="Aptos Display"/>
         <a:ea typeface=""/>
         <a:cs typeface=""/>
         <a:font script="Jpan" typeface="游ゴシック Light"/>
@@ -3952,7 +5263,7 @@
         <a:font script="Tfng" typeface="Ebrima"/>
       </a:majorFont>
       <a:minorFont>
-        <a:latin typeface="Aptos" panose="02110004020202020204"/>
+        <a:latin typeface="Aptos"/>
         <a:ea typeface=""/>
         <a:cs typeface=""/>
         <a:font script="Jpan" typeface="游ゴシック"/>
@@ -4166,7 +5477,7 @@
   <a:extraClrSchemeLst/>
   <a:extLst>
     <a:ext uri="{05A4C25C-085E-4340-85A3-A5531E510DB2}">
-      <thm15:themeFamily xmlns:thm15="http://schemas.microsoft.com/office/thememl/2012/main" name="Office Theme" id="{2E142A2C-CD16-42D6-873A-C26D2A0506FA}" vid="{1BDDFF52-6CD6-40A5-AB3C-68EB2F1E4D0A}"/>
+      <thm15:themeFamily xmlns:thm15="http://schemas.microsoft.com/office/thememl/2012/main" xmlns="" name="Office Theme" id="{2E142A2C-CD16-42D6-873A-C26D2A0506FA}" vid="{1BDDFF52-6CD6-40A5-AB3C-68EB2F1E4D0A}"/>
     </a:ext>
   </a:extLst>
 </a:theme>

--- a/stage2/automatisation.pptx
+++ b/stage2/automatisation.pptx
@@ -134,7 +134,7 @@
           <p:cNvPr id="2" name="Titre 1">
             <a:extLst>
               <a:ext uri="{FF2B5EF4-FFF2-40B4-BE49-F238E27FC236}">
-                <a16:creationId xmlns:a16="http://schemas.microsoft.com/office/drawing/2014/main" xmlns="" id="{4BAF734A-825A-C145-6D0D-097C0CA638FA}"/>
+                <a16:creationId xmlns="" xmlns:a16="http://schemas.microsoft.com/office/drawing/2014/main" id="{4BAF734A-825A-C145-6D0D-097C0CA638FA}"/>
               </a:ext>
             </a:extLst>
           </p:cNvPr>
@@ -171,7 +171,7 @@
           <p:cNvPr id="3" name="Sous-titre 2">
             <a:extLst>
               <a:ext uri="{FF2B5EF4-FFF2-40B4-BE49-F238E27FC236}">
-                <a16:creationId xmlns:a16="http://schemas.microsoft.com/office/drawing/2014/main" xmlns="" id="{8FF2F627-1349-B69A-0271-CD1350D17B20}"/>
+                <a16:creationId xmlns="" xmlns:a16="http://schemas.microsoft.com/office/drawing/2014/main" id="{8FF2F627-1349-B69A-0271-CD1350D17B20}"/>
               </a:ext>
             </a:extLst>
           </p:cNvPr>
@@ -241,7 +241,7 @@
           <p:cNvPr id="4" name="Espace réservé de la date 3">
             <a:extLst>
               <a:ext uri="{FF2B5EF4-FFF2-40B4-BE49-F238E27FC236}">
-                <a16:creationId xmlns:a16="http://schemas.microsoft.com/office/drawing/2014/main" xmlns="" id="{71414230-DCC7-A04E-B6BE-997A27E8D4CB}"/>
+                <a16:creationId xmlns="" xmlns:a16="http://schemas.microsoft.com/office/drawing/2014/main" id="{71414230-DCC7-A04E-B6BE-997A27E8D4CB}"/>
               </a:ext>
             </a:extLst>
           </p:cNvPr>
@@ -260,7 +260,7 @@
             <a:fld id="{2518929F-726D-42E9-A44C-360CAD7A2D2B}" type="datetimeFigureOut">
               <a:rPr lang="fr-FR" smtClean="0"/>
               <a:pPr/>
-              <a:t>02/04/2024</a:t>
+              <a:t>03/04/2024</a:t>
             </a:fld>
             <a:endParaRPr lang="fr-FR"/>
           </a:p>
@@ -271,7 +271,7 @@
           <p:cNvPr id="5" name="Espace réservé du pied de page 4">
             <a:extLst>
               <a:ext uri="{FF2B5EF4-FFF2-40B4-BE49-F238E27FC236}">
-                <a16:creationId xmlns:a16="http://schemas.microsoft.com/office/drawing/2014/main" xmlns="" id="{E908418F-C1DD-5B7C-28B4-89CD88F2CB63}"/>
+                <a16:creationId xmlns="" xmlns:a16="http://schemas.microsoft.com/office/drawing/2014/main" id="{E908418F-C1DD-5B7C-28B4-89CD88F2CB63}"/>
               </a:ext>
             </a:extLst>
           </p:cNvPr>
@@ -296,7 +296,7 @@
           <p:cNvPr id="6" name="Espace réservé du numéro de diapositive 5">
             <a:extLst>
               <a:ext uri="{FF2B5EF4-FFF2-40B4-BE49-F238E27FC236}">
-                <a16:creationId xmlns:a16="http://schemas.microsoft.com/office/drawing/2014/main" xmlns="" id="{7CBBE139-8A5A-6C2F-B314-50046406FAFF}"/>
+                <a16:creationId xmlns="" xmlns:a16="http://schemas.microsoft.com/office/drawing/2014/main" id="{7CBBE139-8A5A-6C2F-B314-50046406FAFF}"/>
               </a:ext>
             </a:extLst>
           </p:cNvPr>
@@ -324,7 +324,7 @@
     </p:spTree>
     <p:extLst>
       <p:ext uri="{BB962C8B-B14F-4D97-AF65-F5344CB8AC3E}">
-        <p14:creationId xmlns:p14="http://schemas.microsoft.com/office/powerpoint/2010/main" xmlns="" val="2729735915"/>
+        <p14:creationId xmlns="" xmlns:p14="http://schemas.microsoft.com/office/powerpoint/2010/main" val="2729735915"/>
       </p:ext>
     </p:extLst>
   </p:cSld>
@@ -356,7 +356,7 @@
           <p:cNvPr id="2" name="Titre 1">
             <a:extLst>
               <a:ext uri="{FF2B5EF4-FFF2-40B4-BE49-F238E27FC236}">
-                <a16:creationId xmlns:a16="http://schemas.microsoft.com/office/drawing/2014/main" xmlns="" id="{05980F6B-EC22-461E-CD76-537E4DBDFB18}"/>
+                <a16:creationId xmlns="" xmlns:a16="http://schemas.microsoft.com/office/drawing/2014/main" id="{05980F6B-EC22-461E-CD76-537E4DBDFB18}"/>
               </a:ext>
             </a:extLst>
           </p:cNvPr>
@@ -384,7 +384,7 @@
           <p:cNvPr id="3" name="Espace réservé du texte vertical 2">
             <a:extLst>
               <a:ext uri="{FF2B5EF4-FFF2-40B4-BE49-F238E27FC236}">
-                <a16:creationId xmlns:a16="http://schemas.microsoft.com/office/drawing/2014/main" xmlns="" id="{B99DA5B1-B295-CD9E-A84F-0B712AF463E0}"/>
+                <a16:creationId xmlns="" xmlns:a16="http://schemas.microsoft.com/office/drawing/2014/main" id="{B99DA5B1-B295-CD9E-A84F-0B712AF463E0}"/>
               </a:ext>
             </a:extLst>
           </p:cNvPr>
@@ -441,7 +441,7 @@
           <p:cNvPr id="4" name="Espace réservé de la date 3">
             <a:extLst>
               <a:ext uri="{FF2B5EF4-FFF2-40B4-BE49-F238E27FC236}">
-                <a16:creationId xmlns:a16="http://schemas.microsoft.com/office/drawing/2014/main" xmlns="" id="{7B35D7AB-978C-7806-DD21-383DBCDA0D96}"/>
+                <a16:creationId xmlns="" xmlns:a16="http://schemas.microsoft.com/office/drawing/2014/main" id="{7B35D7AB-978C-7806-DD21-383DBCDA0D96}"/>
               </a:ext>
             </a:extLst>
           </p:cNvPr>
@@ -460,7 +460,7 @@
             <a:fld id="{2518929F-726D-42E9-A44C-360CAD7A2D2B}" type="datetimeFigureOut">
               <a:rPr lang="fr-FR" smtClean="0"/>
               <a:pPr/>
-              <a:t>02/04/2024</a:t>
+              <a:t>03/04/2024</a:t>
             </a:fld>
             <a:endParaRPr lang="fr-FR"/>
           </a:p>
@@ -471,7 +471,7 @@
           <p:cNvPr id="5" name="Espace réservé du pied de page 4">
             <a:extLst>
               <a:ext uri="{FF2B5EF4-FFF2-40B4-BE49-F238E27FC236}">
-                <a16:creationId xmlns:a16="http://schemas.microsoft.com/office/drawing/2014/main" xmlns="" id="{9190453E-1263-63C5-A14A-AAAF8CE4F6E7}"/>
+                <a16:creationId xmlns="" xmlns:a16="http://schemas.microsoft.com/office/drawing/2014/main" id="{9190453E-1263-63C5-A14A-AAAF8CE4F6E7}"/>
               </a:ext>
             </a:extLst>
           </p:cNvPr>
@@ -496,7 +496,7 @@
           <p:cNvPr id="6" name="Espace réservé du numéro de diapositive 5">
             <a:extLst>
               <a:ext uri="{FF2B5EF4-FFF2-40B4-BE49-F238E27FC236}">
-                <a16:creationId xmlns:a16="http://schemas.microsoft.com/office/drawing/2014/main" xmlns="" id="{1C73FCC0-8D52-F5A6-AFC7-AFE7DB9059F3}"/>
+                <a16:creationId xmlns="" xmlns:a16="http://schemas.microsoft.com/office/drawing/2014/main" id="{1C73FCC0-8D52-F5A6-AFC7-AFE7DB9059F3}"/>
               </a:ext>
             </a:extLst>
           </p:cNvPr>
@@ -524,7 +524,7 @@
     </p:spTree>
     <p:extLst>
       <p:ext uri="{BB962C8B-B14F-4D97-AF65-F5344CB8AC3E}">
-        <p14:creationId xmlns:p14="http://schemas.microsoft.com/office/powerpoint/2010/main" xmlns="" val="1092095518"/>
+        <p14:creationId xmlns="" xmlns:p14="http://schemas.microsoft.com/office/powerpoint/2010/main" val="1092095518"/>
       </p:ext>
     </p:extLst>
   </p:cSld>
@@ -556,7 +556,7 @@
           <p:cNvPr id="2" name="Titre vertical 1">
             <a:extLst>
               <a:ext uri="{FF2B5EF4-FFF2-40B4-BE49-F238E27FC236}">
-                <a16:creationId xmlns:a16="http://schemas.microsoft.com/office/drawing/2014/main" xmlns="" id="{7734C408-FFD9-A521-0B8E-427A15CD8F5C}"/>
+                <a16:creationId xmlns="" xmlns:a16="http://schemas.microsoft.com/office/drawing/2014/main" id="{7734C408-FFD9-A521-0B8E-427A15CD8F5C}"/>
               </a:ext>
             </a:extLst>
           </p:cNvPr>
@@ -589,7 +589,7 @@
           <p:cNvPr id="3" name="Espace réservé du texte vertical 2">
             <a:extLst>
               <a:ext uri="{FF2B5EF4-FFF2-40B4-BE49-F238E27FC236}">
-                <a16:creationId xmlns:a16="http://schemas.microsoft.com/office/drawing/2014/main" xmlns="" id="{DECA41AF-2F78-13FA-2EB7-49EF86AC45F4}"/>
+                <a16:creationId xmlns="" xmlns:a16="http://schemas.microsoft.com/office/drawing/2014/main" id="{DECA41AF-2F78-13FA-2EB7-49EF86AC45F4}"/>
               </a:ext>
             </a:extLst>
           </p:cNvPr>
@@ -651,7 +651,7 @@
           <p:cNvPr id="4" name="Espace réservé de la date 3">
             <a:extLst>
               <a:ext uri="{FF2B5EF4-FFF2-40B4-BE49-F238E27FC236}">
-                <a16:creationId xmlns:a16="http://schemas.microsoft.com/office/drawing/2014/main" xmlns="" id="{7C96D6B1-7BAC-C24F-385E-A491558AE580}"/>
+                <a16:creationId xmlns="" xmlns:a16="http://schemas.microsoft.com/office/drawing/2014/main" id="{7C96D6B1-7BAC-C24F-385E-A491558AE580}"/>
               </a:ext>
             </a:extLst>
           </p:cNvPr>
@@ -670,7 +670,7 @@
             <a:fld id="{2518929F-726D-42E9-A44C-360CAD7A2D2B}" type="datetimeFigureOut">
               <a:rPr lang="fr-FR" smtClean="0"/>
               <a:pPr/>
-              <a:t>02/04/2024</a:t>
+              <a:t>03/04/2024</a:t>
             </a:fld>
             <a:endParaRPr lang="fr-FR"/>
           </a:p>
@@ -681,7 +681,7 @@
           <p:cNvPr id="5" name="Espace réservé du pied de page 4">
             <a:extLst>
               <a:ext uri="{FF2B5EF4-FFF2-40B4-BE49-F238E27FC236}">
-                <a16:creationId xmlns:a16="http://schemas.microsoft.com/office/drawing/2014/main" xmlns="" id="{AD49B7C7-E0E1-571A-168E-6B279F6B2A2E}"/>
+                <a16:creationId xmlns="" xmlns:a16="http://schemas.microsoft.com/office/drawing/2014/main" id="{AD49B7C7-E0E1-571A-168E-6B279F6B2A2E}"/>
               </a:ext>
             </a:extLst>
           </p:cNvPr>
@@ -706,7 +706,7 @@
           <p:cNvPr id="6" name="Espace réservé du numéro de diapositive 5">
             <a:extLst>
               <a:ext uri="{FF2B5EF4-FFF2-40B4-BE49-F238E27FC236}">
-                <a16:creationId xmlns:a16="http://schemas.microsoft.com/office/drawing/2014/main" xmlns="" id="{404219F6-70E4-3511-C892-931E46BB52D4}"/>
+                <a16:creationId xmlns="" xmlns:a16="http://schemas.microsoft.com/office/drawing/2014/main" id="{404219F6-70E4-3511-C892-931E46BB52D4}"/>
               </a:ext>
             </a:extLst>
           </p:cNvPr>
@@ -734,7 +734,7 @@
     </p:spTree>
     <p:extLst>
       <p:ext uri="{BB962C8B-B14F-4D97-AF65-F5344CB8AC3E}">
-        <p14:creationId xmlns:p14="http://schemas.microsoft.com/office/powerpoint/2010/main" xmlns="" val="928703632"/>
+        <p14:creationId xmlns="" xmlns:p14="http://schemas.microsoft.com/office/powerpoint/2010/main" val="928703632"/>
       </p:ext>
     </p:extLst>
   </p:cSld>
@@ -766,7 +766,7 @@
           <p:cNvPr id="2" name="Titre 1">
             <a:extLst>
               <a:ext uri="{FF2B5EF4-FFF2-40B4-BE49-F238E27FC236}">
-                <a16:creationId xmlns:a16="http://schemas.microsoft.com/office/drawing/2014/main" xmlns="" id="{2B5B522F-860F-EB90-A635-631CBC9846FF}"/>
+                <a16:creationId xmlns="" xmlns:a16="http://schemas.microsoft.com/office/drawing/2014/main" id="{2B5B522F-860F-EB90-A635-631CBC9846FF}"/>
               </a:ext>
             </a:extLst>
           </p:cNvPr>
@@ -794,7 +794,7 @@
           <p:cNvPr id="3" name="Espace réservé du contenu 2">
             <a:extLst>
               <a:ext uri="{FF2B5EF4-FFF2-40B4-BE49-F238E27FC236}">
-                <a16:creationId xmlns:a16="http://schemas.microsoft.com/office/drawing/2014/main" xmlns="" id="{43D70F4C-97EE-C5BE-8DEC-3EFF1929E734}"/>
+                <a16:creationId xmlns="" xmlns:a16="http://schemas.microsoft.com/office/drawing/2014/main" id="{43D70F4C-97EE-C5BE-8DEC-3EFF1929E734}"/>
               </a:ext>
             </a:extLst>
           </p:cNvPr>
@@ -851,7 +851,7 @@
           <p:cNvPr id="4" name="Espace réservé de la date 3">
             <a:extLst>
               <a:ext uri="{FF2B5EF4-FFF2-40B4-BE49-F238E27FC236}">
-                <a16:creationId xmlns:a16="http://schemas.microsoft.com/office/drawing/2014/main" xmlns="" id="{E4F10E15-012B-F3BB-9170-76732CF7272A}"/>
+                <a16:creationId xmlns="" xmlns:a16="http://schemas.microsoft.com/office/drawing/2014/main" id="{E4F10E15-012B-F3BB-9170-76732CF7272A}"/>
               </a:ext>
             </a:extLst>
           </p:cNvPr>
@@ -870,7 +870,7 @@
             <a:fld id="{2518929F-726D-42E9-A44C-360CAD7A2D2B}" type="datetimeFigureOut">
               <a:rPr lang="fr-FR" smtClean="0"/>
               <a:pPr/>
-              <a:t>02/04/2024</a:t>
+              <a:t>03/04/2024</a:t>
             </a:fld>
             <a:endParaRPr lang="fr-FR"/>
           </a:p>
@@ -881,7 +881,7 @@
           <p:cNvPr id="5" name="Espace réservé du pied de page 4">
             <a:extLst>
               <a:ext uri="{FF2B5EF4-FFF2-40B4-BE49-F238E27FC236}">
-                <a16:creationId xmlns:a16="http://schemas.microsoft.com/office/drawing/2014/main" xmlns="" id="{4C8053FD-5E78-363A-F833-8238EAAB4ED4}"/>
+                <a16:creationId xmlns="" xmlns:a16="http://schemas.microsoft.com/office/drawing/2014/main" id="{4C8053FD-5E78-363A-F833-8238EAAB4ED4}"/>
               </a:ext>
             </a:extLst>
           </p:cNvPr>
@@ -906,7 +906,7 @@
           <p:cNvPr id="6" name="Espace réservé du numéro de diapositive 5">
             <a:extLst>
               <a:ext uri="{FF2B5EF4-FFF2-40B4-BE49-F238E27FC236}">
-                <a16:creationId xmlns:a16="http://schemas.microsoft.com/office/drawing/2014/main" xmlns="" id="{608AF44A-1EAB-0502-44EB-A1B8FA9CF645}"/>
+                <a16:creationId xmlns="" xmlns:a16="http://schemas.microsoft.com/office/drawing/2014/main" id="{608AF44A-1EAB-0502-44EB-A1B8FA9CF645}"/>
               </a:ext>
             </a:extLst>
           </p:cNvPr>
@@ -934,7 +934,7 @@
     </p:spTree>
     <p:extLst>
       <p:ext uri="{BB962C8B-B14F-4D97-AF65-F5344CB8AC3E}">
-        <p14:creationId xmlns:p14="http://schemas.microsoft.com/office/powerpoint/2010/main" xmlns="" val="599550729"/>
+        <p14:creationId xmlns="" xmlns:p14="http://schemas.microsoft.com/office/powerpoint/2010/main" val="599550729"/>
       </p:ext>
     </p:extLst>
   </p:cSld>
@@ -966,7 +966,7 @@
           <p:cNvPr id="2" name="Titre 1">
             <a:extLst>
               <a:ext uri="{FF2B5EF4-FFF2-40B4-BE49-F238E27FC236}">
-                <a16:creationId xmlns:a16="http://schemas.microsoft.com/office/drawing/2014/main" xmlns="" id="{043DD5FF-BB7B-F1FC-E103-605F28E61159}"/>
+                <a16:creationId xmlns="" xmlns:a16="http://schemas.microsoft.com/office/drawing/2014/main" id="{043DD5FF-BB7B-F1FC-E103-605F28E61159}"/>
               </a:ext>
             </a:extLst>
           </p:cNvPr>
@@ -1003,7 +1003,7 @@
           <p:cNvPr id="3" name="Espace réservé du texte 2">
             <a:extLst>
               <a:ext uri="{FF2B5EF4-FFF2-40B4-BE49-F238E27FC236}">
-                <a16:creationId xmlns:a16="http://schemas.microsoft.com/office/drawing/2014/main" xmlns="" id="{1BDA1397-84AD-9137-048A-0E73F85C268D}"/>
+                <a16:creationId xmlns="" xmlns:a16="http://schemas.microsoft.com/office/drawing/2014/main" id="{1BDA1397-84AD-9137-048A-0E73F85C268D}"/>
               </a:ext>
             </a:extLst>
           </p:cNvPr>
@@ -1128,7 +1128,7 @@
           <p:cNvPr id="4" name="Espace réservé de la date 3">
             <a:extLst>
               <a:ext uri="{FF2B5EF4-FFF2-40B4-BE49-F238E27FC236}">
-                <a16:creationId xmlns:a16="http://schemas.microsoft.com/office/drawing/2014/main" xmlns="" id="{65B79C96-32D6-1049-CED4-4943D35C7D3E}"/>
+                <a16:creationId xmlns="" xmlns:a16="http://schemas.microsoft.com/office/drawing/2014/main" id="{65B79C96-32D6-1049-CED4-4943D35C7D3E}"/>
               </a:ext>
             </a:extLst>
           </p:cNvPr>
@@ -1147,7 +1147,7 @@
             <a:fld id="{2518929F-726D-42E9-A44C-360CAD7A2D2B}" type="datetimeFigureOut">
               <a:rPr lang="fr-FR" smtClean="0"/>
               <a:pPr/>
-              <a:t>02/04/2024</a:t>
+              <a:t>03/04/2024</a:t>
             </a:fld>
             <a:endParaRPr lang="fr-FR"/>
           </a:p>
@@ -1158,7 +1158,7 @@
           <p:cNvPr id="5" name="Espace réservé du pied de page 4">
             <a:extLst>
               <a:ext uri="{FF2B5EF4-FFF2-40B4-BE49-F238E27FC236}">
-                <a16:creationId xmlns:a16="http://schemas.microsoft.com/office/drawing/2014/main" xmlns="" id="{426D1EBA-6808-55C6-7B4E-D7B2B454D9D6}"/>
+                <a16:creationId xmlns="" xmlns:a16="http://schemas.microsoft.com/office/drawing/2014/main" id="{426D1EBA-6808-55C6-7B4E-D7B2B454D9D6}"/>
               </a:ext>
             </a:extLst>
           </p:cNvPr>
@@ -1183,7 +1183,7 @@
           <p:cNvPr id="6" name="Espace réservé du numéro de diapositive 5">
             <a:extLst>
               <a:ext uri="{FF2B5EF4-FFF2-40B4-BE49-F238E27FC236}">
-                <a16:creationId xmlns:a16="http://schemas.microsoft.com/office/drawing/2014/main" xmlns="" id="{9EFE0888-465F-D63C-7F8E-1D80F22B273C}"/>
+                <a16:creationId xmlns="" xmlns:a16="http://schemas.microsoft.com/office/drawing/2014/main" id="{9EFE0888-465F-D63C-7F8E-1D80F22B273C}"/>
               </a:ext>
             </a:extLst>
           </p:cNvPr>
@@ -1211,7 +1211,7 @@
     </p:spTree>
     <p:extLst>
       <p:ext uri="{BB962C8B-B14F-4D97-AF65-F5344CB8AC3E}">
-        <p14:creationId xmlns:p14="http://schemas.microsoft.com/office/powerpoint/2010/main" xmlns="" val="3645918339"/>
+        <p14:creationId xmlns="" xmlns:p14="http://schemas.microsoft.com/office/powerpoint/2010/main" val="3645918339"/>
       </p:ext>
     </p:extLst>
   </p:cSld>
@@ -1243,7 +1243,7 @@
           <p:cNvPr id="2" name="Titre 1">
             <a:extLst>
               <a:ext uri="{FF2B5EF4-FFF2-40B4-BE49-F238E27FC236}">
-                <a16:creationId xmlns:a16="http://schemas.microsoft.com/office/drawing/2014/main" xmlns="" id="{0A221330-261C-7B77-7AB7-F66D18F5131F}"/>
+                <a16:creationId xmlns="" xmlns:a16="http://schemas.microsoft.com/office/drawing/2014/main" id="{0A221330-261C-7B77-7AB7-F66D18F5131F}"/>
               </a:ext>
             </a:extLst>
           </p:cNvPr>
@@ -1271,7 +1271,7 @@
           <p:cNvPr id="3" name="Espace réservé du contenu 2">
             <a:extLst>
               <a:ext uri="{FF2B5EF4-FFF2-40B4-BE49-F238E27FC236}">
-                <a16:creationId xmlns:a16="http://schemas.microsoft.com/office/drawing/2014/main" xmlns="" id="{99F0A855-3429-8C8B-16FA-699F9D6ABEAB}"/>
+                <a16:creationId xmlns="" xmlns:a16="http://schemas.microsoft.com/office/drawing/2014/main" id="{99F0A855-3429-8C8B-16FA-699F9D6ABEAB}"/>
               </a:ext>
             </a:extLst>
           </p:cNvPr>
@@ -1333,7 +1333,7 @@
           <p:cNvPr id="4" name="Espace réservé du contenu 3">
             <a:extLst>
               <a:ext uri="{FF2B5EF4-FFF2-40B4-BE49-F238E27FC236}">
-                <a16:creationId xmlns:a16="http://schemas.microsoft.com/office/drawing/2014/main" xmlns="" id="{AD599EE7-3282-7775-9108-D5CFF7047BB1}"/>
+                <a16:creationId xmlns="" xmlns:a16="http://schemas.microsoft.com/office/drawing/2014/main" id="{AD599EE7-3282-7775-9108-D5CFF7047BB1}"/>
               </a:ext>
             </a:extLst>
           </p:cNvPr>
@@ -1395,7 +1395,7 @@
           <p:cNvPr id="5" name="Espace réservé de la date 4">
             <a:extLst>
               <a:ext uri="{FF2B5EF4-FFF2-40B4-BE49-F238E27FC236}">
-                <a16:creationId xmlns:a16="http://schemas.microsoft.com/office/drawing/2014/main" xmlns="" id="{CF21345C-8E38-29D1-74F7-0A3B0945E3DD}"/>
+                <a16:creationId xmlns="" xmlns:a16="http://schemas.microsoft.com/office/drawing/2014/main" id="{CF21345C-8E38-29D1-74F7-0A3B0945E3DD}"/>
               </a:ext>
             </a:extLst>
           </p:cNvPr>
@@ -1414,7 +1414,7 @@
             <a:fld id="{2518929F-726D-42E9-A44C-360CAD7A2D2B}" type="datetimeFigureOut">
               <a:rPr lang="fr-FR" smtClean="0"/>
               <a:pPr/>
-              <a:t>02/04/2024</a:t>
+              <a:t>03/04/2024</a:t>
             </a:fld>
             <a:endParaRPr lang="fr-FR"/>
           </a:p>
@@ -1425,7 +1425,7 @@
           <p:cNvPr id="6" name="Espace réservé du pied de page 5">
             <a:extLst>
               <a:ext uri="{FF2B5EF4-FFF2-40B4-BE49-F238E27FC236}">
-                <a16:creationId xmlns:a16="http://schemas.microsoft.com/office/drawing/2014/main" xmlns="" id="{8E4126B0-33F2-2156-722E-C6F060D96F9C}"/>
+                <a16:creationId xmlns="" xmlns:a16="http://schemas.microsoft.com/office/drawing/2014/main" id="{8E4126B0-33F2-2156-722E-C6F060D96F9C}"/>
               </a:ext>
             </a:extLst>
           </p:cNvPr>
@@ -1450,7 +1450,7 @@
           <p:cNvPr id="7" name="Espace réservé du numéro de diapositive 6">
             <a:extLst>
               <a:ext uri="{FF2B5EF4-FFF2-40B4-BE49-F238E27FC236}">
-                <a16:creationId xmlns:a16="http://schemas.microsoft.com/office/drawing/2014/main" xmlns="" id="{9182CB9C-FD75-8649-6FCC-F40D5D85F61D}"/>
+                <a16:creationId xmlns="" xmlns:a16="http://schemas.microsoft.com/office/drawing/2014/main" id="{9182CB9C-FD75-8649-6FCC-F40D5D85F61D}"/>
               </a:ext>
             </a:extLst>
           </p:cNvPr>
@@ -1478,7 +1478,7 @@
     </p:spTree>
     <p:extLst>
       <p:ext uri="{BB962C8B-B14F-4D97-AF65-F5344CB8AC3E}">
-        <p14:creationId xmlns:p14="http://schemas.microsoft.com/office/powerpoint/2010/main" xmlns="" val="4237975370"/>
+        <p14:creationId xmlns="" xmlns:p14="http://schemas.microsoft.com/office/powerpoint/2010/main" val="4237975370"/>
       </p:ext>
     </p:extLst>
   </p:cSld>
@@ -1510,7 +1510,7 @@
           <p:cNvPr id="2" name="Titre 1">
             <a:extLst>
               <a:ext uri="{FF2B5EF4-FFF2-40B4-BE49-F238E27FC236}">
-                <a16:creationId xmlns:a16="http://schemas.microsoft.com/office/drawing/2014/main" xmlns="" id="{DAA1344A-1D25-5DD8-0B06-A5992E781DF1}"/>
+                <a16:creationId xmlns="" xmlns:a16="http://schemas.microsoft.com/office/drawing/2014/main" id="{DAA1344A-1D25-5DD8-0B06-A5992E781DF1}"/>
               </a:ext>
             </a:extLst>
           </p:cNvPr>
@@ -1543,7 +1543,7 @@
           <p:cNvPr id="3" name="Espace réservé du texte 2">
             <a:extLst>
               <a:ext uri="{FF2B5EF4-FFF2-40B4-BE49-F238E27FC236}">
-                <a16:creationId xmlns:a16="http://schemas.microsoft.com/office/drawing/2014/main" xmlns="" id="{69DF5A21-27AF-090F-2BE4-A006619EF1D6}"/>
+                <a16:creationId xmlns="" xmlns:a16="http://schemas.microsoft.com/office/drawing/2014/main" id="{69DF5A21-27AF-090F-2BE4-A006619EF1D6}"/>
               </a:ext>
             </a:extLst>
           </p:cNvPr>
@@ -1614,7 +1614,7 @@
           <p:cNvPr id="4" name="Espace réservé du contenu 3">
             <a:extLst>
               <a:ext uri="{FF2B5EF4-FFF2-40B4-BE49-F238E27FC236}">
-                <a16:creationId xmlns:a16="http://schemas.microsoft.com/office/drawing/2014/main" xmlns="" id="{B7D02FCF-FF26-F9BA-21C7-31F2B66C7018}"/>
+                <a16:creationId xmlns="" xmlns:a16="http://schemas.microsoft.com/office/drawing/2014/main" id="{B7D02FCF-FF26-F9BA-21C7-31F2B66C7018}"/>
               </a:ext>
             </a:extLst>
           </p:cNvPr>
@@ -1676,7 +1676,7 @@
           <p:cNvPr id="5" name="Espace réservé du texte 4">
             <a:extLst>
               <a:ext uri="{FF2B5EF4-FFF2-40B4-BE49-F238E27FC236}">
-                <a16:creationId xmlns:a16="http://schemas.microsoft.com/office/drawing/2014/main" xmlns="" id="{057FF75D-5163-0629-437A-27FFBAD38D02}"/>
+                <a16:creationId xmlns="" xmlns:a16="http://schemas.microsoft.com/office/drawing/2014/main" id="{057FF75D-5163-0629-437A-27FFBAD38D02}"/>
               </a:ext>
             </a:extLst>
           </p:cNvPr>
@@ -1747,7 +1747,7 @@
           <p:cNvPr id="6" name="Espace réservé du contenu 5">
             <a:extLst>
               <a:ext uri="{FF2B5EF4-FFF2-40B4-BE49-F238E27FC236}">
-                <a16:creationId xmlns:a16="http://schemas.microsoft.com/office/drawing/2014/main" xmlns="" id="{A1A86B61-2D47-BCC5-0B9B-DAD5F8722E34}"/>
+                <a16:creationId xmlns="" xmlns:a16="http://schemas.microsoft.com/office/drawing/2014/main" id="{A1A86B61-2D47-BCC5-0B9B-DAD5F8722E34}"/>
               </a:ext>
             </a:extLst>
           </p:cNvPr>
@@ -1809,7 +1809,7 @@
           <p:cNvPr id="7" name="Espace réservé de la date 6">
             <a:extLst>
               <a:ext uri="{FF2B5EF4-FFF2-40B4-BE49-F238E27FC236}">
-                <a16:creationId xmlns:a16="http://schemas.microsoft.com/office/drawing/2014/main" xmlns="" id="{8DBA5348-918A-2D25-CF56-13982794B4B9}"/>
+                <a16:creationId xmlns="" xmlns:a16="http://schemas.microsoft.com/office/drawing/2014/main" id="{8DBA5348-918A-2D25-CF56-13982794B4B9}"/>
               </a:ext>
             </a:extLst>
           </p:cNvPr>
@@ -1828,7 +1828,7 @@
             <a:fld id="{2518929F-726D-42E9-A44C-360CAD7A2D2B}" type="datetimeFigureOut">
               <a:rPr lang="fr-FR" smtClean="0"/>
               <a:pPr/>
-              <a:t>02/04/2024</a:t>
+              <a:t>03/04/2024</a:t>
             </a:fld>
             <a:endParaRPr lang="fr-FR"/>
           </a:p>
@@ -1839,7 +1839,7 @@
           <p:cNvPr id="8" name="Espace réservé du pied de page 7">
             <a:extLst>
               <a:ext uri="{FF2B5EF4-FFF2-40B4-BE49-F238E27FC236}">
-                <a16:creationId xmlns:a16="http://schemas.microsoft.com/office/drawing/2014/main" xmlns="" id="{063769A4-D754-097E-E8D4-7788DE55F537}"/>
+                <a16:creationId xmlns="" xmlns:a16="http://schemas.microsoft.com/office/drawing/2014/main" id="{063769A4-D754-097E-E8D4-7788DE55F537}"/>
               </a:ext>
             </a:extLst>
           </p:cNvPr>
@@ -1864,7 +1864,7 @@
           <p:cNvPr id="9" name="Espace réservé du numéro de diapositive 8">
             <a:extLst>
               <a:ext uri="{FF2B5EF4-FFF2-40B4-BE49-F238E27FC236}">
-                <a16:creationId xmlns:a16="http://schemas.microsoft.com/office/drawing/2014/main" xmlns="" id="{0052B94D-92A3-042D-D528-23B628BDFB4F}"/>
+                <a16:creationId xmlns="" xmlns:a16="http://schemas.microsoft.com/office/drawing/2014/main" id="{0052B94D-92A3-042D-D528-23B628BDFB4F}"/>
               </a:ext>
             </a:extLst>
           </p:cNvPr>
@@ -1892,7 +1892,7 @@
     </p:spTree>
     <p:extLst>
       <p:ext uri="{BB962C8B-B14F-4D97-AF65-F5344CB8AC3E}">
-        <p14:creationId xmlns:p14="http://schemas.microsoft.com/office/powerpoint/2010/main" xmlns="" val="1101299440"/>
+        <p14:creationId xmlns="" xmlns:p14="http://schemas.microsoft.com/office/powerpoint/2010/main" val="1101299440"/>
       </p:ext>
     </p:extLst>
   </p:cSld>
@@ -1924,7 +1924,7 @@
           <p:cNvPr id="2" name="Titre 1">
             <a:extLst>
               <a:ext uri="{FF2B5EF4-FFF2-40B4-BE49-F238E27FC236}">
-                <a16:creationId xmlns:a16="http://schemas.microsoft.com/office/drawing/2014/main" xmlns="" id="{73207BE4-5507-F0E5-D4D7-67A08B292983}"/>
+                <a16:creationId xmlns="" xmlns:a16="http://schemas.microsoft.com/office/drawing/2014/main" id="{73207BE4-5507-F0E5-D4D7-67A08B292983}"/>
               </a:ext>
             </a:extLst>
           </p:cNvPr>
@@ -1952,7 +1952,7 @@
           <p:cNvPr id="3" name="Espace réservé de la date 2">
             <a:extLst>
               <a:ext uri="{FF2B5EF4-FFF2-40B4-BE49-F238E27FC236}">
-                <a16:creationId xmlns:a16="http://schemas.microsoft.com/office/drawing/2014/main" xmlns="" id="{78FC5DC5-F9C5-D612-38B3-3981041E63E6}"/>
+                <a16:creationId xmlns="" xmlns:a16="http://schemas.microsoft.com/office/drawing/2014/main" id="{78FC5DC5-F9C5-D612-38B3-3981041E63E6}"/>
               </a:ext>
             </a:extLst>
           </p:cNvPr>
@@ -1971,7 +1971,7 @@
             <a:fld id="{2518929F-726D-42E9-A44C-360CAD7A2D2B}" type="datetimeFigureOut">
               <a:rPr lang="fr-FR" smtClean="0"/>
               <a:pPr/>
-              <a:t>02/04/2024</a:t>
+              <a:t>03/04/2024</a:t>
             </a:fld>
             <a:endParaRPr lang="fr-FR"/>
           </a:p>
@@ -1982,7 +1982,7 @@
           <p:cNvPr id="4" name="Espace réservé du pied de page 3">
             <a:extLst>
               <a:ext uri="{FF2B5EF4-FFF2-40B4-BE49-F238E27FC236}">
-                <a16:creationId xmlns:a16="http://schemas.microsoft.com/office/drawing/2014/main" xmlns="" id="{EDF951D8-EB65-F03E-D849-9711078CA14C}"/>
+                <a16:creationId xmlns="" xmlns:a16="http://schemas.microsoft.com/office/drawing/2014/main" id="{EDF951D8-EB65-F03E-D849-9711078CA14C}"/>
               </a:ext>
             </a:extLst>
           </p:cNvPr>
@@ -2007,7 +2007,7 @@
           <p:cNvPr id="5" name="Espace réservé du numéro de diapositive 4">
             <a:extLst>
               <a:ext uri="{FF2B5EF4-FFF2-40B4-BE49-F238E27FC236}">
-                <a16:creationId xmlns:a16="http://schemas.microsoft.com/office/drawing/2014/main" xmlns="" id="{6C43D08A-08E2-4B59-C650-95128127E5A7}"/>
+                <a16:creationId xmlns="" xmlns:a16="http://schemas.microsoft.com/office/drawing/2014/main" id="{6C43D08A-08E2-4B59-C650-95128127E5A7}"/>
               </a:ext>
             </a:extLst>
           </p:cNvPr>
@@ -2035,7 +2035,7 @@
     </p:spTree>
     <p:extLst>
       <p:ext uri="{BB962C8B-B14F-4D97-AF65-F5344CB8AC3E}">
-        <p14:creationId xmlns:p14="http://schemas.microsoft.com/office/powerpoint/2010/main" xmlns="" val="217882311"/>
+        <p14:creationId xmlns="" xmlns:p14="http://schemas.microsoft.com/office/powerpoint/2010/main" val="217882311"/>
       </p:ext>
     </p:extLst>
   </p:cSld>
@@ -2067,7 +2067,7 @@
           <p:cNvPr id="2" name="Espace réservé de la date 1">
             <a:extLst>
               <a:ext uri="{FF2B5EF4-FFF2-40B4-BE49-F238E27FC236}">
-                <a16:creationId xmlns:a16="http://schemas.microsoft.com/office/drawing/2014/main" xmlns="" id="{7987FE27-A8EB-4E8D-4EB4-9910DCE3BADD}"/>
+                <a16:creationId xmlns="" xmlns:a16="http://schemas.microsoft.com/office/drawing/2014/main" id="{7987FE27-A8EB-4E8D-4EB4-9910DCE3BADD}"/>
               </a:ext>
             </a:extLst>
           </p:cNvPr>
@@ -2086,7 +2086,7 @@
             <a:fld id="{2518929F-726D-42E9-A44C-360CAD7A2D2B}" type="datetimeFigureOut">
               <a:rPr lang="fr-FR" smtClean="0"/>
               <a:pPr/>
-              <a:t>02/04/2024</a:t>
+              <a:t>03/04/2024</a:t>
             </a:fld>
             <a:endParaRPr lang="fr-FR"/>
           </a:p>
@@ -2097,7 +2097,7 @@
           <p:cNvPr id="3" name="Espace réservé du pied de page 2">
             <a:extLst>
               <a:ext uri="{FF2B5EF4-FFF2-40B4-BE49-F238E27FC236}">
-                <a16:creationId xmlns:a16="http://schemas.microsoft.com/office/drawing/2014/main" xmlns="" id="{ACA7348C-F70D-C7A5-2A30-CF998A7D808B}"/>
+                <a16:creationId xmlns="" xmlns:a16="http://schemas.microsoft.com/office/drawing/2014/main" id="{ACA7348C-F70D-C7A5-2A30-CF998A7D808B}"/>
               </a:ext>
             </a:extLst>
           </p:cNvPr>
@@ -2122,7 +2122,7 @@
           <p:cNvPr id="4" name="Espace réservé du numéro de diapositive 3">
             <a:extLst>
               <a:ext uri="{FF2B5EF4-FFF2-40B4-BE49-F238E27FC236}">
-                <a16:creationId xmlns:a16="http://schemas.microsoft.com/office/drawing/2014/main" xmlns="" id="{4418C500-6A16-B22C-EA6B-36E98E68D860}"/>
+                <a16:creationId xmlns="" xmlns:a16="http://schemas.microsoft.com/office/drawing/2014/main" id="{4418C500-6A16-B22C-EA6B-36E98E68D860}"/>
               </a:ext>
             </a:extLst>
           </p:cNvPr>
@@ -2150,7 +2150,7 @@
     </p:spTree>
     <p:extLst>
       <p:ext uri="{BB962C8B-B14F-4D97-AF65-F5344CB8AC3E}">
-        <p14:creationId xmlns:p14="http://schemas.microsoft.com/office/powerpoint/2010/main" xmlns="" val="4130027694"/>
+        <p14:creationId xmlns="" xmlns:p14="http://schemas.microsoft.com/office/powerpoint/2010/main" val="4130027694"/>
       </p:ext>
     </p:extLst>
   </p:cSld>
@@ -2182,7 +2182,7 @@
           <p:cNvPr id="2" name="Titre 1">
             <a:extLst>
               <a:ext uri="{FF2B5EF4-FFF2-40B4-BE49-F238E27FC236}">
-                <a16:creationId xmlns:a16="http://schemas.microsoft.com/office/drawing/2014/main" xmlns="" id="{D8C11466-9589-5AB9-4D69-DDF59412B4D5}"/>
+                <a16:creationId xmlns="" xmlns:a16="http://schemas.microsoft.com/office/drawing/2014/main" id="{D8C11466-9589-5AB9-4D69-DDF59412B4D5}"/>
               </a:ext>
             </a:extLst>
           </p:cNvPr>
@@ -2219,7 +2219,7 @@
           <p:cNvPr id="3" name="Espace réservé du contenu 2">
             <a:extLst>
               <a:ext uri="{FF2B5EF4-FFF2-40B4-BE49-F238E27FC236}">
-                <a16:creationId xmlns:a16="http://schemas.microsoft.com/office/drawing/2014/main" xmlns="" id="{A4E0693B-253C-91D0-9F25-7F53260F9EE8}"/>
+                <a16:creationId xmlns="" xmlns:a16="http://schemas.microsoft.com/office/drawing/2014/main" id="{A4E0693B-253C-91D0-9F25-7F53260F9EE8}"/>
               </a:ext>
             </a:extLst>
           </p:cNvPr>
@@ -2309,7 +2309,7 @@
           <p:cNvPr id="4" name="Espace réservé du texte 3">
             <a:extLst>
               <a:ext uri="{FF2B5EF4-FFF2-40B4-BE49-F238E27FC236}">
-                <a16:creationId xmlns:a16="http://schemas.microsoft.com/office/drawing/2014/main" xmlns="" id="{4627D1D7-D0DF-933B-5C1C-89933A5735DE}"/>
+                <a16:creationId xmlns="" xmlns:a16="http://schemas.microsoft.com/office/drawing/2014/main" id="{4627D1D7-D0DF-933B-5C1C-89933A5735DE}"/>
               </a:ext>
             </a:extLst>
           </p:cNvPr>
@@ -2380,7 +2380,7 @@
           <p:cNvPr id="5" name="Espace réservé de la date 4">
             <a:extLst>
               <a:ext uri="{FF2B5EF4-FFF2-40B4-BE49-F238E27FC236}">
-                <a16:creationId xmlns:a16="http://schemas.microsoft.com/office/drawing/2014/main" xmlns="" id="{A32A8B45-FFD3-2E62-FF8A-D023447D05C6}"/>
+                <a16:creationId xmlns="" xmlns:a16="http://schemas.microsoft.com/office/drawing/2014/main" id="{A32A8B45-FFD3-2E62-FF8A-D023447D05C6}"/>
               </a:ext>
             </a:extLst>
           </p:cNvPr>
@@ -2399,7 +2399,7 @@
             <a:fld id="{2518929F-726D-42E9-A44C-360CAD7A2D2B}" type="datetimeFigureOut">
               <a:rPr lang="fr-FR" smtClean="0"/>
               <a:pPr/>
-              <a:t>02/04/2024</a:t>
+              <a:t>03/04/2024</a:t>
             </a:fld>
             <a:endParaRPr lang="fr-FR"/>
           </a:p>
@@ -2410,7 +2410,7 @@
           <p:cNvPr id="6" name="Espace réservé du pied de page 5">
             <a:extLst>
               <a:ext uri="{FF2B5EF4-FFF2-40B4-BE49-F238E27FC236}">
-                <a16:creationId xmlns:a16="http://schemas.microsoft.com/office/drawing/2014/main" xmlns="" id="{2B74923E-8FEB-F4AE-934E-1ACF177A6D79}"/>
+                <a16:creationId xmlns="" xmlns:a16="http://schemas.microsoft.com/office/drawing/2014/main" id="{2B74923E-8FEB-F4AE-934E-1ACF177A6D79}"/>
               </a:ext>
             </a:extLst>
           </p:cNvPr>
@@ -2435,7 +2435,7 @@
           <p:cNvPr id="7" name="Espace réservé du numéro de diapositive 6">
             <a:extLst>
               <a:ext uri="{FF2B5EF4-FFF2-40B4-BE49-F238E27FC236}">
-                <a16:creationId xmlns:a16="http://schemas.microsoft.com/office/drawing/2014/main" xmlns="" id="{4E20CA8F-8458-E623-41E9-B31C1E7039F5}"/>
+                <a16:creationId xmlns="" xmlns:a16="http://schemas.microsoft.com/office/drawing/2014/main" id="{4E20CA8F-8458-E623-41E9-B31C1E7039F5}"/>
               </a:ext>
             </a:extLst>
           </p:cNvPr>
@@ -2463,7 +2463,7 @@
     </p:spTree>
     <p:extLst>
       <p:ext uri="{BB962C8B-B14F-4D97-AF65-F5344CB8AC3E}">
-        <p14:creationId xmlns:p14="http://schemas.microsoft.com/office/powerpoint/2010/main" xmlns="" val="1596024595"/>
+        <p14:creationId xmlns="" xmlns:p14="http://schemas.microsoft.com/office/powerpoint/2010/main" val="1596024595"/>
       </p:ext>
     </p:extLst>
   </p:cSld>
@@ -2495,7 +2495,7 @@
           <p:cNvPr id="2" name="Titre 1">
             <a:extLst>
               <a:ext uri="{FF2B5EF4-FFF2-40B4-BE49-F238E27FC236}">
-                <a16:creationId xmlns:a16="http://schemas.microsoft.com/office/drawing/2014/main" xmlns="" id="{61773A94-CD1B-A718-4C11-11A5A3E210AF}"/>
+                <a16:creationId xmlns="" xmlns:a16="http://schemas.microsoft.com/office/drawing/2014/main" id="{61773A94-CD1B-A718-4C11-11A5A3E210AF}"/>
               </a:ext>
             </a:extLst>
           </p:cNvPr>
@@ -2532,7 +2532,7 @@
           <p:cNvPr id="3" name="Espace réservé pour une image  2">
             <a:extLst>
               <a:ext uri="{FF2B5EF4-FFF2-40B4-BE49-F238E27FC236}">
-                <a16:creationId xmlns:a16="http://schemas.microsoft.com/office/drawing/2014/main" xmlns="" id="{ABEC288D-006F-FC49-9AA3-A4AFE99B2F63}"/>
+                <a16:creationId xmlns="" xmlns:a16="http://schemas.microsoft.com/office/drawing/2014/main" id="{ABEC288D-006F-FC49-9AA3-A4AFE99B2F63}"/>
               </a:ext>
             </a:extLst>
           </p:cNvPr>
@@ -2599,7 +2599,7 @@
           <p:cNvPr id="4" name="Espace réservé du texte 3">
             <a:extLst>
               <a:ext uri="{FF2B5EF4-FFF2-40B4-BE49-F238E27FC236}">
-                <a16:creationId xmlns:a16="http://schemas.microsoft.com/office/drawing/2014/main" xmlns="" id="{7FCFE5F2-349E-0C3E-72AC-CC03282666F1}"/>
+                <a16:creationId xmlns="" xmlns:a16="http://schemas.microsoft.com/office/drawing/2014/main" id="{7FCFE5F2-349E-0C3E-72AC-CC03282666F1}"/>
               </a:ext>
             </a:extLst>
           </p:cNvPr>
@@ -2670,7 +2670,7 @@
           <p:cNvPr id="5" name="Espace réservé de la date 4">
             <a:extLst>
               <a:ext uri="{FF2B5EF4-FFF2-40B4-BE49-F238E27FC236}">
-                <a16:creationId xmlns:a16="http://schemas.microsoft.com/office/drawing/2014/main" xmlns="" id="{80B20A34-5C5C-0E82-32EB-8FB49005D9CC}"/>
+                <a16:creationId xmlns="" xmlns:a16="http://schemas.microsoft.com/office/drawing/2014/main" id="{80B20A34-5C5C-0E82-32EB-8FB49005D9CC}"/>
               </a:ext>
             </a:extLst>
           </p:cNvPr>
@@ -2689,7 +2689,7 @@
             <a:fld id="{2518929F-726D-42E9-A44C-360CAD7A2D2B}" type="datetimeFigureOut">
               <a:rPr lang="fr-FR" smtClean="0"/>
               <a:pPr/>
-              <a:t>02/04/2024</a:t>
+              <a:t>03/04/2024</a:t>
             </a:fld>
             <a:endParaRPr lang="fr-FR"/>
           </a:p>
@@ -2700,7 +2700,7 @@
           <p:cNvPr id="6" name="Espace réservé du pied de page 5">
             <a:extLst>
               <a:ext uri="{FF2B5EF4-FFF2-40B4-BE49-F238E27FC236}">
-                <a16:creationId xmlns:a16="http://schemas.microsoft.com/office/drawing/2014/main" xmlns="" id="{A847D219-C33D-6354-9677-024CF59204EB}"/>
+                <a16:creationId xmlns="" xmlns:a16="http://schemas.microsoft.com/office/drawing/2014/main" id="{A847D219-C33D-6354-9677-024CF59204EB}"/>
               </a:ext>
             </a:extLst>
           </p:cNvPr>
@@ -2725,7 +2725,7 @@
           <p:cNvPr id="7" name="Espace réservé du numéro de diapositive 6">
             <a:extLst>
               <a:ext uri="{FF2B5EF4-FFF2-40B4-BE49-F238E27FC236}">
-                <a16:creationId xmlns:a16="http://schemas.microsoft.com/office/drawing/2014/main" xmlns="" id="{F623F5D9-D6AE-6DC4-ED51-BD66EC0C3956}"/>
+                <a16:creationId xmlns="" xmlns:a16="http://schemas.microsoft.com/office/drawing/2014/main" id="{F623F5D9-D6AE-6DC4-ED51-BD66EC0C3956}"/>
               </a:ext>
             </a:extLst>
           </p:cNvPr>
@@ -2753,7 +2753,7 @@
     </p:spTree>
     <p:extLst>
       <p:ext uri="{BB962C8B-B14F-4D97-AF65-F5344CB8AC3E}">
-        <p14:creationId xmlns:p14="http://schemas.microsoft.com/office/powerpoint/2010/main" xmlns="" val="2394181514"/>
+        <p14:creationId xmlns="" xmlns:p14="http://schemas.microsoft.com/office/powerpoint/2010/main" val="2394181514"/>
       </p:ext>
     </p:extLst>
   </p:cSld>
@@ -2790,7 +2790,7 @@
           <p:cNvPr id="2" name="Espace réservé du titre 1">
             <a:extLst>
               <a:ext uri="{FF2B5EF4-FFF2-40B4-BE49-F238E27FC236}">
-                <a16:creationId xmlns:a16="http://schemas.microsoft.com/office/drawing/2014/main" xmlns="" id="{DCBF6E0D-42EF-BF7C-54A4-994117A15DA8}"/>
+                <a16:creationId xmlns="" xmlns:a16="http://schemas.microsoft.com/office/drawing/2014/main" id="{DCBF6E0D-42EF-BF7C-54A4-994117A15DA8}"/>
               </a:ext>
             </a:extLst>
           </p:cNvPr>
@@ -2828,7 +2828,7 @@
           <p:cNvPr id="3" name="Espace réservé du texte 2">
             <a:extLst>
               <a:ext uri="{FF2B5EF4-FFF2-40B4-BE49-F238E27FC236}">
-                <a16:creationId xmlns:a16="http://schemas.microsoft.com/office/drawing/2014/main" xmlns="" id="{87F26D80-8E29-48F1-F629-523F2B5B43D3}"/>
+                <a16:creationId xmlns="" xmlns:a16="http://schemas.microsoft.com/office/drawing/2014/main" id="{87F26D80-8E29-48F1-F629-523F2B5B43D3}"/>
               </a:ext>
             </a:extLst>
           </p:cNvPr>
@@ -2895,7 +2895,7 @@
           <p:cNvPr id="4" name="Espace réservé de la date 3">
             <a:extLst>
               <a:ext uri="{FF2B5EF4-FFF2-40B4-BE49-F238E27FC236}">
-                <a16:creationId xmlns:a16="http://schemas.microsoft.com/office/drawing/2014/main" xmlns="" id="{4F00F675-A369-EE20-2306-7127664C693B}"/>
+                <a16:creationId xmlns="" xmlns:a16="http://schemas.microsoft.com/office/drawing/2014/main" id="{4F00F675-A369-EE20-2306-7127664C693B}"/>
               </a:ext>
             </a:extLst>
           </p:cNvPr>
@@ -2932,7 +2932,7 @@
             <a:fld id="{2518929F-726D-42E9-A44C-360CAD7A2D2B}" type="datetimeFigureOut">
               <a:rPr lang="fr-FR" smtClean="0"/>
               <a:pPr/>
-              <a:t>02/04/2024</a:t>
+              <a:t>03/04/2024</a:t>
             </a:fld>
             <a:endParaRPr lang="fr-FR"/>
           </a:p>
@@ -2943,7 +2943,7 @@
           <p:cNvPr id="5" name="Espace réservé du pied de page 4">
             <a:extLst>
               <a:ext uri="{FF2B5EF4-FFF2-40B4-BE49-F238E27FC236}">
-                <a16:creationId xmlns:a16="http://schemas.microsoft.com/office/drawing/2014/main" xmlns="" id="{567918BE-49A4-7B93-D287-9FE6CE121C7C}"/>
+                <a16:creationId xmlns="" xmlns:a16="http://schemas.microsoft.com/office/drawing/2014/main" id="{567918BE-49A4-7B93-D287-9FE6CE121C7C}"/>
               </a:ext>
             </a:extLst>
           </p:cNvPr>
@@ -2986,7 +2986,7 @@
           <p:cNvPr id="6" name="Espace réservé du numéro de diapositive 5">
             <a:extLst>
               <a:ext uri="{FF2B5EF4-FFF2-40B4-BE49-F238E27FC236}">
-                <a16:creationId xmlns:a16="http://schemas.microsoft.com/office/drawing/2014/main" xmlns="" id="{F56439BC-E0A6-C5D6-ACC6-BC3B6D9706FA}"/>
+                <a16:creationId xmlns="" xmlns:a16="http://schemas.microsoft.com/office/drawing/2014/main" id="{F56439BC-E0A6-C5D6-ACC6-BC3B6D9706FA}"/>
               </a:ext>
             </a:extLst>
           </p:cNvPr>
@@ -3032,7 +3032,7 @@
     </p:spTree>
     <p:extLst>
       <p:ext uri="{BB962C8B-B14F-4D97-AF65-F5344CB8AC3E}">
-        <p14:creationId xmlns:p14="http://schemas.microsoft.com/office/powerpoint/2010/main" xmlns="" val="4154379746"/>
+        <p14:creationId xmlns="" xmlns:p14="http://schemas.microsoft.com/office/powerpoint/2010/main" val="4154379746"/>
       </p:ext>
     </p:extLst>
   </p:cSld>
@@ -3352,20 +3352,14 @@
       </p:grpSpPr>
       <p:sp>
         <p:nvSpPr>
-          <p:cNvPr id="4" name="Ellipse 3">
-            <a:extLst>
-              <a:ext uri="{FF2B5EF4-FFF2-40B4-BE49-F238E27FC236}">
-                <a16:creationId xmlns:a16="http://schemas.microsoft.com/office/drawing/2014/main" xmlns="" id="{A7EF0486-61F2-3D52-736A-4ACAF3EC05AF}"/>
-              </a:ext>
-            </a:extLst>
-          </p:cNvPr>
+          <p:cNvPr id="26" name="Ellipse 25"/>
           <p:cNvSpPr/>
           <p:nvPr/>
         </p:nvSpPr>
         <p:spPr>
           <a:xfrm>
-            <a:off x="3782439" y="2327832"/>
-            <a:ext cx="2369127" cy="1429789"/>
+            <a:off x="2150076" y="2561969"/>
+            <a:ext cx="3056238" cy="1482810"/>
           </a:xfrm>
           <a:prstGeom prst="ellipse">
             <a:avLst/>
@@ -3374,7 +3368,7 @@
         <p:style>
           <a:lnRef idx="2">
             <a:schemeClr val="accent1">
-              <a:shade val="15000"/>
+              <a:shade val="50000"/>
             </a:schemeClr>
           </a:lnRef>
           <a:fillRef idx="1">
@@ -3393,37 +3387,43 @@
           <a:p>
             <a:pPr algn="ctr"/>
             <a:r>
-              <a:rPr lang="fr-FR" dirty="0"/>
-              <a:t>Interface du GROUPE IT DE BNP PF </a:t>
-            </a:r>
-          </a:p>
-        </p:txBody>
-      </p:sp>
-      <p:sp>
-        <p:nvSpPr>
-          <p:cNvPr id="5" name="Rectangle 4">
-            <a:extLst>
-              <a:ext uri="{FF2B5EF4-FFF2-40B4-BE49-F238E27FC236}">
-                <a16:creationId xmlns:a16="http://schemas.microsoft.com/office/drawing/2014/main" xmlns="" id="{B559514A-9AD8-C79C-89CD-C8425B09D52D}"/>
-              </a:ext>
-            </a:extLst>
-          </p:cNvPr>
+              <a:rPr lang="fr-FR" dirty="0" smtClean="0"/>
+              <a:t>FICHIER 1</a:t>
+            </a:r>
+          </a:p>
+          <a:p>
+            <a:pPr algn="ctr"/>
+            <a:endParaRPr lang="fr-FR" dirty="0" smtClean="0"/>
+          </a:p>
+          <a:p>
+            <a:pPr algn="ctr"/>
+            <a:r>
+              <a:rPr lang="fr-FR" dirty="0" smtClean="0"/>
+              <a:t>Expiration : 01/05/2024</a:t>
+            </a:r>
+            <a:endParaRPr lang="fr-FR" dirty="0"/>
+          </a:p>
+        </p:txBody>
+      </p:sp>
+      <p:sp>
+        <p:nvSpPr>
+          <p:cNvPr id="27" name="Ellipse 26"/>
           <p:cNvSpPr/>
           <p:nvPr/>
         </p:nvSpPr>
         <p:spPr>
           <a:xfrm>
-            <a:off x="2773604" y="816388"/>
-            <a:ext cx="1338349" cy="556953"/>
+            <a:off x="6722077" y="2570205"/>
+            <a:ext cx="3105665" cy="1383957"/>
           </a:xfrm>
-          <a:prstGeom prst="rect">
+          <a:prstGeom prst="ellipse">
             <a:avLst/>
           </a:prstGeom>
         </p:spPr>
         <p:style>
           <a:lnRef idx="2">
             <a:schemeClr val="accent1">
-              <a:shade val="15000"/>
+              <a:shade val="50000"/>
             </a:schemeClr>
           </a:lnRef>
           <a:fillRef idx="1">
@@ -3442,184 +3442,79 @@
           <a:p>
             <a:pPr algn="ctr"/>
             <a:r>
-              <a:rPr lang="fr-FR" dirty="0"/>
-              <a:t>Fichier n°1</a:t>
-            </a:r>
-          </a:p>
-        </p:txBody>
-      </p:sp>
-      <p:sp>
-        <p:nvSpPr>
-          <p:cNvPr id="6" name="Rectangle 5">
-            <a:extLst>
-              <a:ext uri="{FF2B5EF4-FFF2-40B4-BE49-F238E27FC236}">
-                <a16:creationId xmlns:a16="http://schemas.microsoft.com/office/drawing/2014/main" xmlns="" id="{AE762113-2F9D-AB25-B43A-711641EF0CB0}"/>
-              </a:ext>
-            </a:extLst>
-          </p:cNvPr>
-          <p:cNvSpPr/>
+              <a:rPr lang="fr-FR" dirty="0" smtClean="0"/>
+              <a:t>FICHIER 2</a:t>
+            </a:r>
+          </a:p>
+          <a:p>
+            <a:pPr algn="ctr"/>
+            <a:endParaRPr lang="fr-FR" dirty="0" smtClean="0"/>
+          </a:p>
+          <a:p>
+            <a:pPr algn="ctr"/>
+            <a:r>
+              <a:rPr lang="fr-FR" dirty="0" smtClean="0"/>
+              <a:t>Expiration :</a:t>
+            </a:r>
+          </a:p>
+          <a:p>
+            <a:pPr algn="ctr"/>
+            <a:r>
+              <a:rPr lang="fr-FR" dirty="0" smtClean="0"/>
+              <a:t>16/07/2024</a:t>
+            </a:r>
+            <a:endParaRPr lang="fr-FR" dirty="0"/>
+          </a:p>
+        </p:txBody>
+      </p:sp>
+      <p:sp>
+        <p:nvSpPr>
+          <p:cNvPr id="29" name="ZoneTexte 28"/>
+          <p:cNvSpPr txBox="1"/>
           <p:nvPr/>
         </p:nvSpPr>
         <p:spPr>
           <a:xfrm>
-            <a:off x="1676061" y="3585513"/>
-            <a:ext cx="1338349" cy="556953"/>
+            <a:off x="3822355" y="708454"/>
+            <a:ext cx="4308389" cy="523220"/>
           </a:xfrm>
           <a:prstGeom prst="rect">
             <a:avLst/>
           </a:prstGeom>
+          <a:noFill/>
         </p:spPr>
-        <p:style>
-          <a:lnRef idx="2">
-            <a:schemeClr val="accent1">
-              <a:shade val="15000"/>
-            </a:schemeClr>
-          </a:lnRef>
-          <a:fillRef idx="1">
-            <a:schemeClr val="accent1"/>
-          </a:fillRef>
-          <a:effectRef idx="0">
-            <a:schemeClr val="accent1"/>
-          </a:effectRef>
-          <a:fontRef idx="minor">
-            <a:schemeClr val="lt1"/>
-          </a:fontRef>
-        </p:style>
-        <p:txBody>
-          <a:bodyPr rtlCol="0" anchor="ctr"/>
-          <a:lstStyle/>
-          <a:p>
-            <a:pPr algn="ctr"/>
-            <a:r>
-              <a:rPr lang="fr-FR" dirty="0"/>
-              <a:t>Fichier n°3</a:t>
-            </a:r>
-          </a:p>
-        </p:txBody>
-      </p:sp>
-      <p:sp>
-        <p:nvSpPr>
-          <p:cNvPr id="7" name="Rectangle 6">
-            <a:extLst>
-              <a:ext uri="{FF2B5EF4-FFF2-40B4-BE49-F238E27FC236}">
-                <a16:creationId xmlns:a16="http://schemas.microsoft.com/office/drawing/2014/main" xmlns="" id="{D10D555E-1955-1310-3236-CA93E85C8143}"/>
-              </a:ext>
-            </a:extLst>
-          </p:cNvPr>
-          <p:cNvSpPr/>
-          <p:nvPr/>
-        </p:nvSpPr>
-        <p:spPr>
-          <a:xfrm>
-            <a:off x="1593683" y="2192387"/>
-            <a:ext cx="1338349" cy="556953"/>
-          </a:xfrm>
-          <a:prstGeom prst="rect">
-            <a:avLst/>
-          </a:prstGeom>
-        </p:spPr>
-        <p:style>
-          <a:lnRef idx="2">
-            <a:schemeClr val="accent1">
-              <a:shade val="15000"/>
-            </a:schemeClr>
-          </a:lnRef>
-          <a:fillRef idx="1">
-            <a:schemeClr val="accent1"/>
-          </a:fillRef>
-          <a:effectRef idx="0">
-            <a:schemeClr val="accent1"/>
-          </a:effectRef>
-          <a:fontRef idx="minor">
-            <a:schemeClr val="lt1"/>
-          </a:fontRef>
-        </p:style>
-        <p:txBody>
-          <a:bodyPr rtlCol="0" anchor="ctr"/>
-          <a:lstStyle/>
-          <a:p>
-            <a:pPr algn="ctr"/>
-            <a:r>
-              <a:rPr lang="fr-FR" dirty="0"/>
-              <a:t>Fichier n°2</a:t>
-            </a:r>
-          </a:p>
-        </p:txBody>
-      </p:sp>
-      <p:sp>
-        <p:nvSpPr>
-          <p:cNvPr id="8" name="Rectangle 7">
-            <a:extLst>
-              <a:ext uri="{FF2B5EF4-FFF2-40B4-BE49-F238E27FC236}">
-                <a16:creationId xmlns:a16="http://schemas.microsoft.com/office/drawing/2014/main" xmlns="" id="{4F0BB834-6437-0D06-DE29-1591629131CC}"/>
-              </a:ext>
-            </a:extLst>
-          </p:cNvPr>
-          <p:cNvSpPr/>
-          <p:nvPr/>
-        </p:nvSpPr>
-        <p:spPr>
-          <a:xfrm>
-            <a:off x="2460567" y="4580309"/>
-            <a:ext cx="1338349" cy="556953"/>
-          </a:xfrm>
-          <a:prstGeom prst="rect">
-            <a:avLst/>
-          </a:prstGeom>
-        </p:spPr>
-        <p:style>
-          <a:lnRef idx="2">
-            <a:schemeClr val="accent1">
-              <a:shade val="15000"/>
-            </a:schemeClr>
-          </a:lnRef>
-          <a:fillRef idx="1">
-            <a:schemeClr val="accent1"/>
-          </a:fillRef>
-          <a:effectRef idx="0">
-            <a:schemeClr val="accent1"/>
-          </a:effectRef>
-          <a:fontRef idx="minor">
-            <a:schemeClr val="lt1"/>
-          </a:fontRef>
-        </p:style>
-        <p:txBody>
-          <a:bodyPr rtlCol="0" anchor="ctr"/>
-          <a:lstStyle/>
-          <a:p>
-            <a:pPr algn="ctr"/>
-            <a:r>
-              <a:rPr lang="fr-FR" dirty="0"/>
-              <a:t>Fichier n°4</a:t>
-            </a:r>
+        <p:txBody>
+          <a:bodyPr wrap="square" rtlCol="0">
+            <a:spAutoFit/>
+          </a:bodyPr>
+          <a:lstStyle/>
+          <a:p>
+            <a:r>
+              <a:rPr lang="fr-FR" sz="2800" dirty="0" smtClean="0"/>
+              <a:t>Date actuel : 03/04/2024</a:t>
+            </a:r>
+            <a:endParaRPr lang="fr-FR" sz="2800" dirty="0"/>
           </a:p>
         </p:txBody>
       </p:sp>
       <p:cxnSp>
         <p:nvCxnSpPr>
-          <p:cNvPr id="10" name="Connecteur droit avec flèche 9">
-            <a:extLst>
-              <a:ext uri="{FF2B5EF4-FFF2-40B4-BE49-F238E27FC236}">
-                <a16:creationId xmlns:a16="http://schemas.microsoft.com/office/drawing/2014/main" xmlns="" id="{FAA3B170-B46E-E83A-D74A-C4C792F852CD}"/>
-              </a:ext>
-            </a:extLst>
-          </p:cNvPr>
-          <p:cNvCxnSpPr/>
+          <p:cNvPr id="31" name="Connecteur droit avec flèche 30"/>
+          <p:cNvCxnSpPr>
+            <a:stCxn id="26" idx="4"/>
+          </p:cNvCxnSpPr>
           <p:nvPr/>
         </p:nvCxnSpPr>
         <p:spPr>
-          <a:xfrm flipV="1">
-            <a:off x="3798915" y="3616036"/>
-            <a:ext cx="565267" cy="964273"/>
+          <a:xfrm flipH="1">
+            <a:off x="3674076" y="4044779"/>
+            <a:ext cx="4119" cy="1194486"/>
           </a:xfrm>
           <a:prstGeom prst="straightConnector1">
             <a:avLst/>
           </a:prstGeom>
-          <a:ln w="28575">
-            <a:solidFill>
-              <a:srgbClr val="00B0F0"/>
-            </a:solidFill>
-            <a:tailEnd type="triangle"/>
+          <a:ln>
+            <a:tailEnd type="arrow"/>
           </a:ln>
         </p:spPr>
         <p:style>
@@ -3637,159 +3532,25 @@
           </a:fontRef>
         </p:style>
       </p:cxnSp>
-      <p:cxnSp>
-        <p:nvCxnSpPr>
-          <p:cNvPr id="12" name="Connecteur droit avec flèche 11">
-            <a:extLst>
-              <a:ext uri="{FF2B5EF4-FFF2-40B4-BE49-F238E27FC236}">
-                <a16:creationId xmlns:a16="http://schemas.microsoft.com/office/drawing/2014/main" xmlns="" id="{70503909-03F4-748A-1581-4D1B27BAFC53}"/>
-              </a:ext>
-            </a:extLst>
-          </p:cNvPr>
-          <p:cNvCxnSpPr>
-            <a:cxnSpLocks/>
-          </p:cNvCxnSpPr>
+      <p:sp>
+        <p:nvSpPr>
+          <p:cNvPr id="33" name="Rectangle 32"/>
+          <p:cNvSpPr/>
           <p:nvPr/>
-        </p:nvCxnSpPr>
-        <p:spPr>
-          <a:xfrm flipV="1">
-            <a:off x="2997935" y="3414659"/>
-            <a:ext cx="1040477" cy="220283"/>
-          </a:xfrm>
-          <a:prstGeom prst="straightConnector1">
-            <a:avLst/>
-          </a:prstGeom>
-          <a:ln w="28575">
-            <a:solidFill>
-              <a:srgbClr val="00B0F0"/>
-            </a:solidFill>
-            <a:tailEnd type="triangle"/>
-          </a:ln>
-        </p:spPr>
-        <p:style>
-          <a:lnRef idx="2">
-            <a:schemeClr val="accent1"/>
-          </a:lnRef>
-          <a:fillRef idx="0">
-            <a:schemeClr val="accent1"/>
-          </a:fillRef>
-          <a:effectRef idx="1">
-            <a:schemeClr val="accent1"/>
-          </a:effectRef>
-          <a:fontRef idx="minor">
-            <a:schemeClr val="tx1"/>
-          </a:fontRef>
-        </p:style>
-      </p:cxnSp>
-      <p:cxnSp>
-        <p:nvCxnSpPr>
-          <p:cNvPr id="15" name="Connecteur droit avec flèche 14">
-            <a:extLst>
-              <a:ext uri="{FF2B5EF4-FFF2-40B4-BE49-F238E27FC236}">
-                <a16:creationId xmlns:a16="http://schemas.microsoft.com/office/drawing/2014/main" xmlns="" id="{0A49C11B-3150-4E98-3F19-199EC560F23C}"/>
-              </a:ext>
-            </a:extLst>
-          </p:cNvPr>
-          <p:cNvCxnSpPr/>
-          <p:nvPr/>
-        </p:nvCxnSpPr>
+        </p:nvSpPr>
         <p:spPr>
           <a:xfrm>
-            <a:off x="2923794" y="2230357"/>
-            <a:ext cx="973975" cy="524047"/>
+            <a:off x="1178011" y="5247504"/>
+            <a:ext cx="4959178" cy="963827"/>
           </a:xfrm>
-          <a:prstGeom prst="straightConnector1">
-            <a:avLst/>
-          </a:prstGeom>
-          <a:ln w="28575">
-            <a:solidFill>
-              <a:srgbClr val="00B0F0"/>
-            </a:solidFill>
-            <a:tailEnd type="triangle"/>
-          </a:ln>
-        </p:spPr>
-        <p:style>
-          <a:lnRef idx="2">
-            <a:schemeClr val="accent1"/>
-          </a:lnRef>
-          <a:fillRef idx="0">
-            <a:schemeClr val="accent1"/>
-          </a:fillRef>
-          <a:effectRef idx="1">
-            <a:schemeClr val="accent1"/>
-          </a:effectRef>
-          <a:fontRef idx="minor">
-            <a:schemeClr val="tx1"/>
-          </a:fontRef>
-        </p:style>
-      </p:cxnSp>
-      <p:cxnSp>
-        <p:nvCxnSpPr>
-          <p:cNvPr id="18" name="Connecteur droit avec flèche 17">
-            <a:extLst>
-              <a:ext uri="{FF2B5EF4-FFF2-40B4-BE49-F238E27FC236}">
-                <a16:creationId xmlns:a16="http://schemas.microsoft.com/office/drawing/2014/main" xmlns="" id="{03780D4E-0E5A-FF25-E253-5B75B31D7D94}"/>
-              </a:ext>
-            </a:extLst>
-          </p:cNvPr>
-          <p:cNvCxnSpPr/>
-          <p:nvPr/>
-        </p:nvCxnSpPr>
-        <p:spPr>
-          <a:xfrm>
-            <a:off x="4062526" y="1373341"/>
-            <a:ext cx="346951" cy="1040312"/>
-          </a:xfrm>
-          <a:prstGeom prst="straightConnector1">
-            <a:avLst/>
-          </a:prstGeom>
-          <a:ln w="28575">
-            <a:solidFill>
-              <a:srgbClr val="00B0F0"/>
-            </a:solidFill>
-            <a:tailEnd type="triangle"/>
-          </a:ln>
-        </p:spPr>
-        <p:style>
-          <a:lnRef idx="2">
-            <a:schemeClr val="accent1"/>
-          </a:lnRef>
-          <a:fillRef idx="0">
-            <a:schemeClr val="accent1"/>
-          </a:fillRef>
-          <a:effectRef idx="1">
-            <a:schemeClr val="accent1"/>
-          </a:effectRef>
-          <a:fontRef idx="minor">
-            <a:schemeClr val="tx1"/>
-          </a:fontRef>
-        </p:style>
-      </p:cxnSp>
-      <p:sp>
-        <p:nvSpPr>
-          <p:cNvPr id="19" name="Ellipse 18">
-            <a:extLst>
-              <a:ext uri="{FF2B5EF4-FFF2-40B4-BE49-F238E27FC236}">
-                <a16:creationId xmlns:a16="http://schemas.microsoft.com/office/drawing/2014/main" xmlns="" id="{13418C4B-20E1-904E-F561-9E5087D501B8}"/>
-              </a:ext>
-            </a:extLst>
-          </p:cNvPr>
-          <p:cNvSpPr/>
-          <p:nvPr/>
-        </p:nvSpPr>
-        <p:spPr>
-          <a:xfrm>
-            <a:off x="7930340" y="2078185"/>
-            <a:ext cx="2585259" cy="1970114"/>
-          </a:xfrm>
-          <a:prstGeom prst="ellipse">
+          <a:prstGeom prst="rect">
             <a:avLst/>
           </a:prstGeom>
         </p:spPr>
         <p:style>
           <a:lnRef idx="2">
             <a:schemeClr val="accent1">
-              <a:shade val="15000"/>
+              <a:shade val="50000"/>
             </a:schemeClr>
           </a:lnRef>
           <a:fillRef idx="1">
@@ -3808,71 +3569,17 @@
           <a:p>
             <a:pPr algn="ctr"/>
             <a:r>
-              <a:rPr lang="fr-FR" dirty="0"/>
-              <a:t>Automatisation du re</a:t>
-            </a:r>
-            <a:r>
-              <a:rPr lang="fr-FR" b="0" i="0" dirty="0">
-                <a:solidFill>
-                  <a:srgbClr val="E8EAED"/>
-                </a:solidFill>
-                <a:effectLst/>
-                <a:latin typeface="Google Sans"/>
-              </a:rPr>
-              <a:t>çu de fichier par une notification envoyée par E-mail</a:t>
+              <a:rPr lang="fr-FR" dirty="0" smtClean="0"/>
+              <a:t>Envoie d’un email à tout le groupe IT de BNP PF car le fichier expirer dans moins d’1 mois.</a:t>
             </a:r>
             <a:endParaRPr lang="fr-FR" dirty="0"/>
           </a:p>
         </p:txBody>
       </p:sp>
-      <p:cxnSp>
-        <p:nvCxnSpPr>
-          <p:cNvPr id="22" name="Connecteur droit avec flèche 21">
-            <a:extLst>
-              <a:ext uri="{FF2B5EF4-FFF2-40B4-BE49-F238E27FC236}">
-                <a16:creationId xmlns:a16="http://schemas.microsoft.com/office/drawing/2014/main" xmlns="" id="{C5274D55-B4A7-4867-EDFE-3D5BCA10320C}"/>
-              </a:ext>
-            </a:extLst>
-          </p:cNvPr>
-          <p:cNvCxnSpPr>
-            <a:stCxn id="4" idx="6"/>
-          </p:cNvCxnSpPr>
-          <p:nvPr/>
-        </p:nvCxnSpPr>
-        <p:spPr>
-          <a:xfrm flipV="1">
-            <a:off x="6151566" y="3042726"/>
-            <a:ext cx="1762299" cy="1"/>
-          </a:xfrm>
-          <a:prstGeom prst="straightConnector1">
-            <a:avLst/>
-          </a:prstGeom>
-          <a:ln w="28575">
-            <a:solidFill>
-              <a:srgbClr val="FF0000"/>
-            </a:solidFill>
-            <a:tailEnd type="triangle"/>
-          </a:ln>
-        </p:spPr>
-        <p:style>
-          <a:lnRef idx="2">
-            <a:schemeClr val="accent1"/>
-          </a:lnRef>
-          <a:fillRef idx="0">
-            <a:schemeClr val="accent1"/>
-          </a:fillRef>
-          <a:effectRef idx="1">
-            <a:schemeClr val="accent1"/>
-          </a:effectRef>
-          <a:fontRef idx="minor">
-            <a:schemeClr val="tx1"/>
-          </a:fontRef>
-        </p:style>
-      </p:cxnSp>
     </p:spTree>
     <p:extLst>
       <p:ext uri="{BB962C8B-B14F-4D97-AF65-F5344CB8AC3E}">
-        <p14:creationId xmlns:p14="http://schemas.microsoft.com/office/powerpoint/2010/main" xmlns="" val="4036291297"/>
+        <p14:creationId xmlns="" xmlns:p14="http://schemas.microsoft.com/office/powerpoint/2010/main" val="4036291297"/>
       </p:ext>
     </p:extLst>
   </p:cSld>
@@ -3984,7 +3691,27 @@
             </a:r>
             <a:r>
               <a:rPr lang="fr-FR" dirty="0" smtClean="0"/>
-              <a:t>j’ai effectué mon stage voulait recevoir une notification par mail pour chaque membres du groupe IT de BNP PF lorsque le fichier expirera dans 1mois.</a:t>
+              <a:t>j’ai effectué mon stage voulait recevoir une notification par mail pour chaque membres du groupe IT de BNP PF lorsque </a:t>
+            </a:r>
+            <a:r>
+              <a:rPr lang="fr-FR" dirty="0" smtClean="0"/>
+              <a:t>le fichier</a:t>
+            </a:r>
+            <a:r>
+              <a:rPr lang="fr-FR" dirty="0" smtClean="0"/>
+              <a:t> qu’ils ont reçu expirera </a:t>
+            </a:r>
+            <a:r>
+              <a:rPr lang="fr-FR" dirty="0" smtClean="0"/>
+              <a:t>dans </a:t>
+            </a:r>
+            <a:r>
+              <a:rPr lang="fr-FR" dirty="0" smtClean="0"/>
+              <a:t>1mois</a:t>
+            </a:r>
+            <a:r>
+              <a:rPr lang="fr-FR" dirty="0" smtClean="0"/>
+              <a:t>.</a:t>
             </a:r>
             <a:endParaRPr lang="fr-FR" dirty="0"/>
           </a:p>
@@ -4504,15 +4231,7 @@
             </a:br>
             <a:r>
               <a:rPr lang="en-US" dirty="0" smtClean="0"/>
-              <a:t>RUNAT="10:00</a:t>
-            </a:r>
-            <a:r>
-              <a:rPr lang="en-US" dirty="0" smtClean="0"/>
-              <a:t>"</a:t>
-            </a:r>
-            <a:r>
-              <a:rPr lang="en-US" dirty="0" smtClean="0"/>
-              <a:t/>
+              <a:t>RUNAT="10:00"</a:t>
             </a:r>
             <a:br>
               <a:rPr lang="en-US" dirty="0" smtClean="0"/>
@@ -5477,7 +5196,7 @@
   <a:extraClrSchemeLst/>
   <a:extLst>
     <a:ext uri="{05A4C25C-085E-4340-85A3-A5531E510DB2}">
-      <thm15:themeFamily xmlns:thm15="http://schemas.microsoft.com/office/thememl/2012/main" xmlns="" name="Office Theme" id="{2E142A2C-CD16-42D6-873A-C26D2A0506FA}" vid="{1BDDFF52-6CD6-40A5-AB3C-68EB2F1E4D0A}"/>
+      <thm15:themeFamily xmlns="" xmlns:thm15="http://schemas.microsoft.com/office/thememl/2012/main" name="Office Theme" id="{2E142A2C-CD16-42D6-873A-C26D2A0506FA}" vid="{1BDDFF52-6CD6-40A5-AB3C-68EB2F1E4D0A}"/>
     </a:ext>
   </a:extLst>
 </a:theme>
